--- a/ПД(171-341).pptx
+++ b/ПД(171-341).pptx
@@ -5,7 +5,7 @@
     <p:sldMasterId id="2147483659" r:id="rId1"/>
   </p:sldMasterIdLst>
   <p:notesMasterIdLst>
-    <p:notesMasterId r:id="rId26"/>
+    <p:notesMasterId r:id="rId24"/>
   </p:notesMasterIdLst>
   <p:sldIdLst>
     <p:sldId id="256" r:id="rId2"/>
@@ -29,9 +29,7 @@
     <p:sldId id="295" r:id="rId20"/>
     <p:sldId id="296" r:id="rId21"/>
     <p:sldId id="297" r:id="rId22"/>
-    <p:sldId id="298" r:id="rId23"/>
-    <p:sldId id="299" r:id="rId24"/>
-    <p:sldId id="287" r:id="rId25"/>
+    <p:sldId id="287" r:id="rId23"/>
   </p:sldIdLst>
   <p:sldSz cx="9144000" cy="6858000" type="screen4x3"/>
   <p:notesSz cx="6797675" cy="9926638"/>
@@ -266,7 +264,7 @@
   </p:defaultTextStyle>
   <p:extLst>
     <p:ext uri="{EFAFB233-063F-42B5-8137-9DF3F51BA10A}">
-      <p15:sldGuideLst xmlns:p15="http://schemas.microsoft.com/office/powerpoint/2012/main" xmlns:p14="http://schemas.microsoft.com/office/powerpoint/2010/main" xmlns:com="http://schemas.openxmlformats.org/drawingml/2006/compatibility" xmlns:pvml="urn:schemas-microsoft-com:office:powerpoint" xmlns:v="urn:schemas-microsoft-com:vml" xmlns:o="urn:schemas-microsoft-com:office:office" xmlns:dgm="http://schemas.openxmlformats.org/drawingml/2006/diagram" xmlns:c="http://schemas.openxmlformats.org/drawingml/2006/chart" xmlns:mv="urn:schemas-microsoft-com:mac:vml" xmlns:mc="http://schemas.openxmlformats.org/markup-compatibility/2006" xmlns="">
+      <p15:sldGuideLst xmlns:p15="http://schemas.microsoft.com/office/powerpoint/2012/main">
         <p15:guide id="1" orient="horz" pos="2160">
           <p15:clr>
             <a:srgbClr val="A4A3A4"/>
@@ -1638,6 +1636,11 @@
         </p:txBody>
       </p:sp>
     </p:spTree>
+    <p:extLst>
+      <p:ext uri="{BB962C8B-B14F-4D97-AF65-F5344CB8AC3E}">
+        <p14:creationId xmlns:p14="http://schemas.microsoft.com/office/powerpoint/2010/main" val="4231235642"/>
+      </p:ext>
+    </p:extLst>
   </p:cSld>
   <p:clrMapOvr>
     <a:masterClrMapping/>
@@ -1802,6 +1805,11 @@
         </p:txBody>
       </p:sp>
     </p:spTree>
+    <p:extLst>
+      <p:ext uri="{BB962C8B-B14F-4D97-AF65-F5344CB8AC3E}">
+        <p14:creationId xmlns:p14="http://schemas.microsoft.com/office/powerpoint/2010/main" val="2864721805"/>
+      </p:ext>
+    </p:extLst>
   </p:cSld>
   <p:clrMapOvr>
     <a:masterClrMapping/>
@@ -1966,6 +1974,11 @@
         </p:txBody>
       </p:sp>
     </p:spTree>
+    <p:extLst>
+      <p:ext uri="{BB962C8B-B14F-4D97-AF65-F5344CB8AC3E}">
+        <p14:creationId xmlns:p14="http://schemas.microsoft.com/office/powerpoint/2010/main" val="1653677095"/>
+      </p:ext>
+    </p:extLst>
   </p:cSld>
   <p:clrMapOvr>
     <a:masterClrMapping/>
@@ -2130,6 +2143,11 @@
         </p:txBody>
       </p:sp>
     </p:spTree>
+    <p:extLst>
+      <p:ext uri="{BB962C8B-B14F-4D97-AF65-F5344CB8AC3E}">
+        <p14:creationId xmlns:p14="http://schemas.microsoft.com/office/powerpoint/2010/main" val="1567096311"/>
+      </p:ext>
+    </p:extLst>
   </p:cSld>
   <p:clrMapOvr>
     <a:masterClrMapping/>
@@ -2294,6 +2312,11 @@
         </p:txBody>
       </p:sp>
     </p:spTree>
+    <p:extLst>
+      <p:ext uri="{BB962C8B-B14F-4D97-AF65-F5344CB8AC3E}">
+        <p14:creationId xmlns:p14="http://schemas.microsoft.com/office/powerpoint/2010/main" val="412892973"/>
+      </p:ext>
+    </p:extLst>
   </p:cSld>
   <p:clrMapOvr>
     <a:masterClrMapping/>
@@ -2458,6 +2481,11 @@
         </p:txBody>
       </p:sp>
     </p:spTree>
+    <p:extLst>
+      <p:ext uri="{BB962C8B-B14F-4D97-AF65-F5344CB8AC3E}">
+        <p14:creationId xmlns:p14="http://schemas.microsoft.com/office/powerpoint/2010/main" val="2963176765"/>
+      </p:ext>
+    </p:extLst>
   </p:cSld>
   <p:clrMapOvr>
     <a:masterClrMapping/>
@@ -2622,6 +2650,11 @@
         </p:txBody>
       </p:sp>
     </p:spTree>
+    <p:extLst>
+      <p:ext uri="{BB962C8B-B14F-4D97-AF65-F5344CB8AC3E}">
+        <p14:creationId xmlns:p14="http://schemas.microsoft.com/office/powerpoint/2010/main" val="987979334"/>
+      </p:ext>
+    </p:extLst>
   </p:cSld>
   <p:clrMapOvr>
     <a:masterClrMapping/>
@@ -2786,6 +2819,11 @@
         </p:txBody>
       </p:sp>
     </p:spTree>
+    <p:extLst>
+      <p:ext uri="{BB962C8B-B14F-4D97-AF65-F5344CB8AC3E}">
+        <p14:creationId xmlns:p14="http://schemas.microsoft.com/office/powerpoint/2010/main" val="649221225"/>
+      </p:ext>
+    </p:extLst>
   </p:cSld>
   <p:clrMapOvr>
     <a:masterClrMapping/>
@@ -2950,6 +2988,11 @@
         </p:txBody>
       </p:sp>
     </p:spTree>
+    <p:extLst>
+      <p:ext uri="{BB962C8B-B14F-4D97-AF65-F5344CB8AC3E}">
+        <p14:creationId xmlns:p14="http://schemas.microsoft.com/office/powerpoint/2010/main" val="2167752403"/>
+      </p:ext>
+    </p:extLst>
   </p:cSld>
   <p:clrMapOvr>
     <a:masterClrMapping/>
@@ -3114,6 +3157,11 @@
         </p:txBody>
       </p:sp>
     </p:spTree>
+    <p:extLst>
+      <p:ext uri="{BB962C8B-B14F-4D97-AF65-F5344CB8AC3E}">
+        <p14:creationId xmlns:p14="http://schemas.microsoft.com/office/powerpoint/2010/main" val="2637623489"/>
+      </p:ext>
+    </p:extLst>
   </p:cSld>
   <p:clrMapOvr>
     <a:masterClrMapping/>
@@ -3278,6 +3326,11 @@
         </p:txBody>
       </p:sp>
     </p:spTree>
+    <p:extLst>
+      <p:ext uri="{BB962C8B-B14F-4D97-AF65-F5344CB8AC3E}">
+        <p14:creationId xmlns:p14="http://schemas.microsoft.com/office/powerpoint/2010/main" val="2732064377"/>
+      </p:ext>
+    </p:extLst>
   </p:cSld>
   <p:clrMapOvr>
     <a:masterClrMapping/>
@@ -3442,6 +3495,11 @@
         </p:txBody>
       </p:sp>
     </p:spTree>
+    <p:extLst>
+      <p:ext uri="{BB962C8B-B14F-4D97-AF65-F5344CB8AC3E}">
+        <p14:creationId xmlns:p14="http://schemas.microsoft.com/office/powerpoint/2010/main" val="3393015302"/>
+      </p:ext>
+    </p:extLst>
   </p:cSld>
   <p:clrMapOvr>
     <a:masterClrMapping/>
@@ -3606,6 +3664,11 @@
         </p:txBody>
       </p:sp>
     </p:spTree>
+    <p:extLst>
+      <p:ext uri="{BB962C8B-B14F-4D97-AF65-F5344CB8AC3E}">
+        <p14:creationId xmlns:p14="http://schemas.microsoft.com/office/powerpoint/2010/main" val="1796009965"/>
+      </p:ext>
+    </p:extLst>
   </p:cSld>
   <p:clrMapOvr>
     <a:masterClrMapping/>
@@ -3770,6 +3833,11 @@
         </p:txBody>
       </p:sp>
     </p:spTree>
+    <p:extLst>
+      <p:ext uri="{BB962C8B-B14F-4D97-AF65-F5344CB8AC3E}">
+        <p14:creationId xmlns:p14="http://schemas.microsoft.com/office/powerpoint/2010/main" val="1236751990"/>
+      </p:ext>
+    </p:extLst>
   </p:cSld>
   <p:clrMapOvr>
     <a:masterClrMapping/>
@@ -3778,334 +3846,6 @@
 </file>
 
 <file path=ppt/notesSlides/notesSlide22.xml><?xml version="1.0" encoding="utf-8"?>
-<p:notes xmlns:a="http://schemas.openxmlformats.org/drawingml/2006/main" xmlns:r="http://schemas.openxmlformats.org/officeDocument/2006/relationships" xmlns:p="http://schemas.openxmlformats.org/presentationml/2006/main" showMasterSp="0" showMasterPhAnim="0">
-  <p:cSld>
-    <p:spTree>
-      <p:nvGrpSpPr>
-        <p:cNvPr id="1" name="Shape 306"/>
-        <p:cNvGrpSpPr/>
-        <p:nvPr/>
-      </p:nvGrpSpPr>
-      <p:grpSpPr>
-        <a:xfrm>
-          <a:off x="0" y="0"/>
-          <a:ext cx="0" cy="0"/>
-          <a:chOff x="0" y="0"/>
-          <a:chExt cx="0" cy="0"/>
-        </a:xfrm>
-      </p:grpSpPr>
-      <p:sp>
-        <p:nvSpPr>
-          <p:cNvPr id="307" name="Google Shape;307;p5:notes"/>
-          <p:cNvSpPr>
-            <a:spLocks noGrp="1" noRot="1" noChangeAspect="1"/>
-          </p:cNvSpPr>
-          <p:nvPr>
-            <p:ph type="sldImg" idx="2"/>
-          </p:nvPr>
-        </p:nvSpPr>
-        <p:spPr>
-          <a:xfrm>
-            <a:off x="917575" y="744538"/>
-            <a:ext cx="4962525" cy="3722687"/>
-          </a:xfrm>
-          <a:custGeom>
-            <a:avLst/>
-            <a:gdLst/>
-            <a:ahLst/>
-            <a:cxnLst/>
-            <a:rect l="l" t="t" r="r" b="b"/>
-            <a:pathLst>
-              <a:path w="120000" h="120000" extrusionOk="0">
-                <a:moveTo>
-                  <a:pt x="0" y="0"/>
-                </a:moveTo>
-                <a:lnTo>
-                  <a:pt x="120000" y="0"/>
-                </a:lnTo>
-                <a:lnTo>
-                  <a:pt x="120000" y="120000"/>
-                </a:lnTo>
-                <a:lnTo>
-                  <a:pt x="0" y="120000"/>
-                </a:lnTo>
-                <a:close/>
-              </a:path>
-            </a:pathLst>
-          </a:custGeom>
-          <a:noFill/>
-          <a:ln w="12700" cap="flat" cmpd="sng">
-            <a:solidFill>
-              <a:srgbClr val="000000"/>
-            </a:solidFill>
-            <a:prstDash val="solid"/>
-            <a:round/>
-            <a:headEnd type="none" w="sm" len="sm"/>
-            <a:tailEnd type="none" w="sm" len="sm"/>
-          </a:ln>
-        </p:spPr>
-      </p:sp>
-      <p:sp>
-        <p:nvSpPr>
-          <p:cNvPr id="308" name="Google Shape;308;p5:notes"/>
-          <p:cNvSpPr txBox="1">
-            <a:spLocks noGrp="1"/>
-          </p:cNvSpPr>
-          <p:nvPr>
-            <p:ph type="body" idx="1"/>
-          </p:nvPr>
-        </p:nvSpPr>
-        <p:spPr>
-          <a:xfrm>
-            <a:off x="679768" y="4715153"/>
-            <a:ext cx="5438140" cy="4466987"/>
-          </a:xfrm>
-          <a:prstGeom prst="rect">
-            <a:avLst/>
-          </a:prstGeom>
-          <a:noFill/>
-          <a:ln>
-            <a:noFill/>
-          </a:ln>
-        </p:spPr>
-        <p:txBody>
-          <a:bodyPr spcFirstLastPara="1" wrap="square" lIns="91425" tIns="45700" rIns="91425" bIns="45700" anchor="t" anchorCtr="0">
-            <a:noAutofit/>
-          </a:bodyPr>
-          <a:lstStyle/>
-          <a:p>
-            <a:pPr marL="0" lvl="0" indent="0" algn="l" rtl="0">
-              <a:spcBef>
-                <a:spcPts val="0"/>
-              </a:spcBef>
-              <a:spcAft>
-                <a:spcPts val="0"/>
-              </a:spcAft>
-              <a:buNone/>
-            </a:pPr>
-            <a:endParaRPr/>
-          </a:p>
-        </p:txBody>
-      </p:sp>
-      <p:sp>
-        <p:nvSpPr>
-          <p:cNvPr id="309" name="Google Shape;309;p5:notes"/>
-          <p:cNvSpPr txBox="1">
-            <a:spLocks noGrp="1"/>
-          </p:cNvSpPr>
-          <p:nvPr>
-            <p:ph type="sldNum" idx="12"/>
-          </p:nvPr>
-        </p:nvSpPr>
-        <p:spPr>
-          <a:xfrm>
-            <a:off x="3850443" y="9428583"/>
-            <a:ext cx="2945659" cy="496332"/>
-          </a:xfrm>
-          <a:prstGeom prst="rect">
-            <a:avLst/>
-          </a:prstGeom>
-          <a:noFill/>
-          <a:ln>
-            <a:noFill/>
-          </a:ln>
-        </p:spPr>
-        <p:txBody>
-          <a:bodyPr spcFirstLastPara="1" wrap="square" lIns="91425" tIns="45700" rIns="91425" bIns="45700" anchor="b" anchorCtr="0">
-            <a:noAutofit/>
-          </a:bodyPr>
-          <a:lstStyle/>
-          <a:p>
-            <a:pPr marL="0" lvl="0" indent="0" algn="r" rtl="0">
-              <a:spcBef>
-                <a:spcPts val="0"/>
-              </a:spcBef>
-              <a:spcAft>
-                <a:spcPts val="0"/>
-              </a:spcAft>
-              <a:buNone/>
-            </a:pPr>
-            <a:fld id="{00000000-1234-1234-1234-123412341234}" type="slidenum">
-              <a:rPr lang="ru-RU"/>
-              <a:t>22</a:t>
-            </a:fld>
-            <a:endParaRPr/>
-          </a:p>
-        </p:txBody>
-      </p:sp>
-    </p:spTree>
-  </p:cSld>
-  <p:clrMapOvr>
-    <a:masterClrMapping/>
-  </p:clrMapOvr>
-</p:notes>
-</file>
-
-<file path=ppt/notesSlides/notesSlide23.xml><?xml version="1.0" encoding="utf-8"?>
-<p:notes xmlns:a="http://schemas.openxmlformats.org/drawingml/2006/main" xmlns:r="http://schemas.openxmlformats.org/officeDocument/2006/relationships" xmlns:p="http://schemas.openxmlformats.org/presentationml/2006/main" showMasterSp="0" showMasterPhAnim="0">
-  <p:cSld>
-    <p:spTree>
-      <p:nvGrpSpPr>
-        <p:cNvPr id="1" name="Shape 306"/>
-        <p:cNvGrpSpPr/>
-        <p:nvPr/>
-      </p:nvGrpSpPr>
-      <p:grpSpPr>
-        <a:xfrm>
-          <a:off x="0" y="0"/>
-          <a:ext cx="0" cy="0"/>
-          <a:chOff x="0" y="0"/>
-          <a:chExt cx="0" cy="0"/>
-        </a:xfrm>
-      </p:grpSpPr>
-      <p:sp>
-        <p:nvSpPr>
-          <p:cNvPr id="307" name="Google Shape;307;p5:notes"/>
-          <p:cNvSpPr>
-            <a:spLocks noGrp="1" noRot="1" noChangeAspect="1"/>
-          </p:cNvSpPr>
-          <p:nvPr>
-            <p:ph type="sldImg" idx="2"/>
-          </p:nvPr>
-        </p:nvSpPr>
-        <p:spPr>
-          <a:xfrm>
-            <a:off x="917575" y="744538"/>
-            <a:ext cx="4962525" cy="3722687"/>
-          </a:xfrm>
-          <a:custGeom>
-            <a:avLst/>
-            <a:gdLst/>
-            <a:ahLst/>
-            <a:cxnLst/>
-            <a:rect l="l" t="t" r="r" b="b"/>
-            <a:pathLst>
-              <a:path w="120000" h="120000" extrusionOk="0">
-                <a:moveTo>
-                  <a:pt x="0" y="0"/>
-                </a:moveTo>
-                <a:lnTo>
-                  <a:pt x="120000" y="0"/>
-                </a:lnTo>
-                <a:lnTo>
-                  <a:pt x="120000" y="120000"/>
-                </a:lnTo>
-                <a:lnTo>
-                  <a:pt x="0" y="120000"/>
-                </a:lnTo>
-                <a:close/>
-              </a:path>
-            </a:pathLst>
-          </a:custGeom>
-          <a:noFill/>
-          <a:ln w="12700" cap="flat" cmpd="sng">
-            <a:solidFill>
-              <a:srgbClr val="000000"/>
-            </a:solidFill>
-            <a:prstDash val="solid"/>
-            <a:round/>
-            <a:headEnd type="none" w="sm" len="sm"/>
-            <a:tailEnd type="none" w="sm" len="sm"/>
-          </a:ln>
-        </p:spPr>
-      </p:sp>
-      <p:sp>
-        <p:nvSpPr>
-          <p:cNvPr id="308" name="Google Shape;308;p5:notes"/>
-          <p:cNvSpPr txBox="1">
-            <a:spLocks noGrp="1"/>
-          </p:cNvSpPr>
-          <p:nvPr>
-            <p:ph type="body" idx="1"/>
-          </p:nvPr>
-        </p:nvSpPr>
-        <p:spPr>
-          <a:xfrm>
-            <a:off x="679768" y="4715153"/>
-            <a:ext cx="5438140" cy="4466987"/>
-          </a:xfrm>
-          <a:prstGeom prst="rect">
-            <a:avLst/>
-          </a:prstGeom>
-          <a:noFill/>
-          <a:ln>
-            <a:noFill/>
-          </a:ln>
-        </p:spPr>
-        <p:txBody>
-          <a:bodyPr spcFirstLastPara="1" wrap="square" lIns="91425" tIns="45700" rIns="91425" bIns="45700" anchor="t" anchorCtr="0">
-            <a:noAutofit/>
-          </a:bodyPr>
-          <a:lstStyle/>
-          <a:p>
-            <a:pPr marL="0" lvl="0" indent="0" algn="l" rtl="0">
-              <a:spcBef>
-                <a:spcPts val="0"/>
-              </a:spcBef>
-              <a:spcAft>
-                <a:spcPts val="0"/>
-              </a:spcAft>
-              <a:buNone/>
-            </a:pPr>
-            <a:endParaRPr/>
-          </a:p>
-        </p:txBody>
-      </p:sp>
-      <p:sp>
-        <p:nvSpPr>
-          <p:cNvPr id="309" name="Google Shape;309;p5:notes"/>
-          <p:cNvSpPr txBox="1">
-            <a:spLocks noGrp="1"/>
-          </p:cNvSpPr>
-          <p:nvPr>
-            <p:ph type="sldNum" idx="12"/>
-          </p:nvPr>
-        </p:nvSpPr>
-        <p:spPr>
-          <a:xfrm>
-            <a:off x="3850443" y="9428583"/>
-            <a:ext cx="2945659" cy="496332"/>
-          </a:xfrm>
-          <a:prstGeom prst="rect">
-            <a:avLst/>
-          </a:prstGeom>
-          <a:noFill/>
-          <a:ln>
-            <a:noFill/>
-          </a:ln>
-        </p:spPr>
-        <p:txBody>
-          <a:bodyPr spcFirstLastPara="1" wrap="square" lIns="91425" tIns="45700" rIns="91425" bIns="45700" anchor="b" anchorCtr="0">
-            <a:noAutofit/>
-          </a:bodyPr>
-          <a:lstStyle/>
-          <a:p>
-            <a:pPr marL="0" lvl="0" indent="0" algn="r" rtl="0">
-              <a:spcBef>
-                <a:spcPts val="0"/>
-              </a:spcBef>
-              <a:spcAft>
-                <a:spcPts val="0"/>
-              </a:spcAft>
-              <a:buNone/>
-            </a:pPr>
-            <a:fld id="{00000000-1234-1234-1234-123412341234}" type="slidenum">
-              <a:rPr lang="ru-RU"/>
-              <a:t>23</a:t>
-            </a:fld>
-            <a:endParaRPr/>
-          </a:p>
-        </p:txBody>
-      </p:sp>
-    </p:spTree>
-  </p:cSld>
-  <p:clrMapOvr>
-    <a:masterClrMapping/>
-  </p:clrMapOvr>
-</p:notes>
-</file>
-
-<file path=ppt/notesSlides/notesSlide24.xml><?xml version="1.0" encoding="utf-8"?>
 <p:notes xmlns:a="http://schemas.openxmlformats.org/drawingml/2006/main" xmlns:r="http://schemas.openxmlformats.org/officeDocument/2006/relationships" xmlns:p="http://schemas.openxmlformats.org/presentationml/2006/main" showMasterSp="0" showMasterPhAnim="0">
   <p:cSld>
     <p:spTree>
@@ -4255,13 +3995,18 @@
             </a:pPr>
             <a:fld id="{00000000-1234-1234-1234-123412341234}" type="slidenum">
               <a:rPr lang="ru-RU"/>
-              <a:t>24</a:t>
+              <a:t>22</a:t>
             </a:fld>
             <a:endParaRPr/>
           </a:p>
         </p:txBody>
       </p:sp>
     </p:spTree>
+    <p:extLst>
+      <p:ext uri="{BB962C8B-B14F-4D97-AF65-F5344CB8AC3E}">
+        <p14:creationId xmlns:p14="http://schemas.microsoft.com/office/powerpoint/2010/main" val="3705451893"/>
+      </p:ext>
+    </p:extLst>
   </p:cSld>
   <p:clrMapOvr>
     <a:masterClrMapping/>
@@ -4426,6 +4171,11 @@
         </p:txBody>
       </p:sp>
     </p:spTree>
+    <p:extLst>
+      <p:ext uri="{BB962C8B-B14F-4D97-AF65-F5344CB8AC3E}">
+        <p14:creationId xmlns:p14="http://schemas.microsoft.com/office/powerpoint/2010/main" val="3620898725"/>
+      </p:ext>
+    </p:extLst>
   </p:cSld>
   <p:clrMapOvr>
     <a:masterClrMapping/>
@@ -4590,6 +4340,11 @@
         </p:txBody>
       </p:sp>
     </p:spTree>
+    <p:extLst>
+      <p:ext uri="{BB962C8B-B14F-4D97-AF65-F5344CB8AC3E}">
+        <p14:creationId xmlns:p14="http://schemas.microsoft.com/office/powerpoint/2010/main" val="746403580"/>
+      </p:ext>
+    </p:extLst>
   </p:cSld>
   <p:clrMapOvr>
     <a:masterClrMapping/>
@@ -4754,6 +4509,11 @@
         </p:txBody>
       </p:sp>
     </p:spTree>
+    <p:extLst>
+      <p:ext uri="{BB962C8B-B14F-4D97-AF65-F5344CB8AC3E}">
+        <p14:creationId xmlns:p14="http://schemas.microsoft.com/office/powerpoint/2010/main" val="616895186"/>
+      </p:ext>
+    </p:extLst>
   </p:cSld>
   <p:clrMapOvr>
     <a:masterClrMapping/>
@@ -4918,6 +4678,11 @@
         </p:txBody>
       </p:sp>
     </p:spTree>
+    <p:extLst>
+      <p:ext uri="{BB962C8B-B14F-4D97-AF65-F5344CB8AC3E}">
+        <p14:creationId xmlns:p14="http://schemas.microsoft.com/office/powerpoint/2010/main" val="231882643"/>
+      </p:ext>
+    </p:extLst>
   </p:cSld>
   <p:clrMapOvr>
     <a:masterClrMapping/>
@@ -5082,6 +4847,11 @@
         </p:txBody>
       </p:sp>
     </p:spTree>
+    <p:extLst>
+      <p:ext uri="{BB962C8B-B14F-4D97-AF65-F5344CB8AC3E}">
+        <p14:creationId xmlns:p14="http://schemas.microsoft.com/office/powerpoint/2010/main" val="3154824537"/>
+      </p:ext>
+    </p:extLst>
   </p:cSld>
   <p:clrMapOvr>
     <a:masterClrMapping/>
@@ -5246,6 +5016,11 @@
         </p:txBody>
       </p:sp>
     </p:spTree>
+    <p:extLst>
+      <p:ext uri="{BB962C8B-B14F-4D97-AF65-F5344CB8AC3E}">
+        <p14:creationId xmlns:p14="http://schemas.microsoft.com/office/powerpoint/2010/main" val="488384214"/>
+      </p:ext>
+    </p:extLst>
   </p:cSld>
   <p:clrMapOvr>
     <a:masterClrMapping/>
@@ -5410,6 +5185,11 @@
         </p:txBody>
       </p:sp>
     </p:spTree>
+    <p:extLst>
+      <p:ext uri="{BB962C8B-B14F-4D97-AF65-F5344CB8AC3E}">
+        <p14:creationId xmlns:p14="http://schemas.microsoft.com/office/powerpoint/2010/main" val="2657190577"/>
+      </p:ext>
+    </p:extLst>
   </p:cSld>
   <p:clrMapOvr>
     <a:masterClrMapping/>
@@ -15897,7 +15677,7 @@
         </p:nvSpPr>
         <p:spPr>
           <a:xfrm>
-            <a:off x="467544" y="1745059"/>
+            <a:off x="302081" y="1335756"/>
             <a:ext cx="8229600" cy="4348200"/>
           </a:xfrm>
           <a:prstGeom prst="rect">
@@ -15915,6 +15695,9 @@
           <a:lstStyle/>
           <a:p>
             <a:pPr marL="0" indent="0">
+              <a:lnSpc>
+                <a:spcPct val="150000"/>
+              </a:lnSpc>
               <a:spcBef>
                 <a:spcPts val="0"/>
               </a:spcBef>
@@ -15925,7 +15708,7 @@
               <a:t>  </a:t>
             </a:r>
             <a:r>
-              <a:rPr lang="ru-RU" sz="3600" dirty="0"/>
+              <a:rPr lang="ru-RU" sz="2800" dirty="0"/>
               <a:t>Система электронного документооборота (СЭД) — это система (компьютерная программа, ПО и т.п.), позволяющая организовать и автоматизировать работу с электронными документами на протяжении всего их жизненного цикла.</a:t>
             </a:r>
           </a:p>
@@ -16216,11 +15999,17 @@
               <a:buNone/>
             </a:pPr>
             <a:r>
-              <a:rPr lang="ru-RU" sz="2400" dirty="0"/>
+              <a:rPr lang="ru-RU" sz="2400" dirty="0">
+                <a:latin typeface="Times New Roman" panose="02020603050405020304" pitchFamily="18" charset="0"/>
+                <a:cs typeface="Times New Roman" panose="02020603050405020304" pitchFamily="18" charset="0"/>
+              </a:rPr>
               <a:t>УЦ — основной компонент автоматизированных информационных систем с </a:t>
             </a:r>
             <a:r>
-              <a:rPr lang="ru-RU" sz="2400" dirty="0" smtClean="0"/>
+              <a:rPr lang="ru-RU" sz="2400" dirty="0" smtClean="0">
+                <a:latin typeface="Times New Roman" panose="02020603050405020304" pitchFamily="18" charset="0"/>
+                <a:cs typeface="Times New Roman" panose="02020603050405020304" pitchFamily="18" charset="0"/>
+              </a:rPr>
               <a:t>применением ЭЦП.</a:t>
             </a:r>
           </a:p>
@@ -16231,12 +16020,37 @@
               </a:spcBef>
               <a:buNone/>
             </a:pPr>
+            <a:endParaRPr lang="ru-RU" sz="2400" u="sng" dirty="0" smtClean="0">
+              <a:latin typeface="Times New Roman" panose="02020603050405020304" pitchFamily="18" charset="0"/>
+              <a:cs typeface="Times New Roman" panose="02020603050405020304" pitchFamily="18" charset="0"/>
+            </a:endParaRPr>
+          </a:p>
+          <a:p>
+            <a:pPr marL="0" indent="0">
+              <a:spcBef>
+                <a:spcPts val="0"/>
+              </a:spcBef>
+              <a:buNone/>
+            </a:pPr>
             <a:r>
-              <a:rPr lang="ru-RU" sz="2400" u="sng" dirty="0"/>
-              <a:t>Электронно-цифровая подпись (ЭЦП)</a:t>
+              <a:rPr lang="ru-RU" sz="2400" u="sng" dirty="0" smtClean="0">
+                <a:latin typeface="Times New Roman" panose="02020603050405020304" pitchFamily="18" charset="0"/>
+                <a:cs typeface="Times New Roman" panose="02020603050405020304" pitchFamily="18" charset="0"/>
+              </a:rPr>
+              <a:t>Электронно-цифровая </a:t>
             </a:r>
             <a:r>
-              <a:rPr lang="ru-RU" sz="2400" dirty="0"/>
+              <a:rPr lang="ru-RU" sz="2400" u="sng" dirty="0">
+                <a:latin typeface="Times New Roman" panose="02020603050405020304" pitchFamily="18" charset="0"/>
+                <a:cs typeface="Times New Roman" panose="02020603050405020304" pitchFamily="18" charset="0"/>
+              </a:rPr>
+              <a:t>подпись (ЭЦП)</a:t>
+            </a:r>
+            <a:r>
+              <a:rPr lang="ru-RU" sz="2400" dirty="0">
+                <a:latin typeface="Times New Roman" panose="02020603050405020304" pitchFamily="18" charset="0"/>
+                <a:cs typeface="Times New Roman" panose="02020603050405020304" pitchFamily="18" charset="0"/>
+              </a:rPr>
               <a:t> - это реквизит электронного документа, предназначенный для защиты данного электронного документа от подделки, полученный в результате криптографического преобразования информации с использованием закрытого ключа электронной цифровой подписи и позволяющий идентифицировать владельца сертификата ключа подписи, а также установить отсутствие искажения информации в электронном документе.</a:t>
             </a:r>
           </a:p>
@@ -16499,8 +16313,8 @@
         </p:nvSpPr>
         <p:spPr>
           <a:xfrm>
-            <a:off x="98854" y="1219612"/>
-            <a:ext cx="8400582" cy="4610485"/>
+            <a:off x="98853" y="1219612"/>
+            <a:ext cx="8905809" cy="4610485"/>
           </a:xfrm>
           <a:prstGeom prst="rect">
             <a:avLst/>
@@ -16516,29 +16330,52 @@
           </a:bodyPr>
           <a:lstStyle/>
           <a:p>
+            <a:pPr>
+              <a:lnSpc>
+                <a:spcPct val="150000"/>
+              </a:lnSpc>
+            </a:pPr>
             <a:r>
-              <a:rPr lang="ru-RU" sz="2800" u="sng" dirty="0"/>
-              <a:t>Основные этапы внедрения</a:t>
+              <a:rPr lang="ru-RU" sz="2400" u="sng" dirty="0"/>
+              <a:t>Основные этапы </a:t>
             </a:r>
             <a:r>
-              <a:rPr lang="ru-RU" sz="2800" dirty="0"/>
-              <a:t> системы электронного документооборота включают в себя:</a:t>
+              <a:rPr lang="ru-RU" sz="2400" u="sng" dirty="0" smtClean="0"/>
+              <a:t>процесса внедрения</a:t>
             </a:r>
-          </a:p>
-          <a:p>
             <a:r>
-              <a:rPr lang="ru-RU" sz="2800" i="1" dirty="0"/>
+              <a:rPr lang="ru-RU" sz="2400" dirty="0" smtClean="0"/>
+              <a:t> </a:t>
+            </a:r>
+            <a:r>
+              <a:rPr lang="ru-RU" sz="2400" dirty="0"/>
+              <a:t>системы электронного документооборота включают в себя:</a:t>
+            </a:r>
+          </a:p>
+          <a:p>
+            <a:pPr>
+              <a:lnSpc>
+                <a:spcPct val="150000"/>
+              </a:lnSpc>
+            </a:pPr>
+            <a:r>
+              <a:rPr lang="ru-RU" sz="2400" i="1" dirty="0"/>
               <a:t>Этап 1. Определение базовых процессов и процедур.</a:t>
             </a:r>
-            <a:endParaRPr lang="ru-RU" sz="2800" dirty="0"/>
-          </a:p>
-          <a:p>
+            <a:endParaRPr lang="ru-RU" sz="2400" dirty="0"/>
+          </a:p>
+          <a:p>
+            <a:pPr>
+              <a:lnSpc>
+                <a:spcPct val="150000"/>
+              </a:lnSpc>
+            </a:pPr>
             <a:r>
-              <a:rPr lang="ru-RU" sz="2800" u="sng" dirty="0"/>
+              <a:rPr lang="ru-RU" sz="2400" u="sng" dirty="0"/>
               <a:t>Цель</a:t>
             </a:r>
             <a:r>
-              <a:rPr lang="ru-RU" sz="2800" dirty="0"/>
+              <a:rPr lang="ru-RU" sz="2400" dirty="0"/>
               <a:t> данного этапа заключается в четком определении состава существующих процессов документооборота и процедур обработки документации. Для этого необходимо провести детальный анализ существующих процессов и процедур.</a:t>
             </a:r>
           </a:p>
@@ -16809,15 +16646,34 @@
           </a:bodyPr>
           <a:lstStyle/>
           <a:p>
+            <a:pPr>
+              <a:lnSpc>
+                <a:spcPct val="150000"/>
+              </a:lnSpc>
+            </a:pPr>
             <a:r>
-              <a:rPr lang="ru-RU" sz="2800" i="1" dirty="0"/>
+              <a:rPr lang="ru-RU" sz="2800" i="1" dirty="0">
+                <a:latin typeface="Times New Roman" panose="02020603050405020304" pitchFamily="18" charset="0"/>
+                <a:cs typeface="Times New Roman" panose="02020603050405020304" pitchFamily="18" charset="0"/>
+              </a:rPr>
               <a:t>Этап 2. Определение требований к процессам документооборота.</a:t>
             </a:r>
-            <a:endParaRPr lang="ru-RU" sz="2800" dirty="0"/>
-          </a:p>
-          <a:p>
+            <a:endParaRPr lang="ru-RU" sz="2800" dirty="0">
+              <a:latin typeface="Times New Roman" panose="02020603050405020304" pitchFamily="18" charset="0"/>
+              <a:cs typeface="Times New Roman" panose="02020603050405020304" pitchFamily="18" charset="0"/>
+            </a:endParaRPr>
+          </a:p>
+          <a:p>
+            <a:pPr>
+              <a:lnSpc>
+                <a:spcPct val="150000"/>
+              </a:lnSpc>
+            </a:pPr>
             <a:r>
-              <a:rPr lang="ru-RU" sz="2800" dirty="0"/>
+              <a:rPr lang="ru-RU" sz="2800" dirty="0">
+                <a:latin typeface="Times New Roman" panose="02020603050405020304" pitchFamily="18" charset="0"/>
+                <a:cs typeface="Times New Roman" panose="02020603050405020304" pitchFamily="18" charset="0"/>
+              </a:rPr>
               <a:t>На данном этапе определяется, какие изменения необходимо внести в процессы документооборота, чтобы они работали эффективно и могли быть автоматизированы.</a:t>
             </a:r>
           </a:p>
@@ -17093,19 +16949,42 @@
           </a:bodyPr>
           <a:lstStyle/>
           <a:p>
+            <a:pPr>
+              <a:lnSpc>
+                <a:spcPct val="150000"/>
+              </a:lnSpc>
+            </a:pPr>
             <a:r>
-              <a:rPr lang="ru-RU" sz="2800" i="1" dirty="0"/>
+              <a:rPr lang="ru-RU" sz="2400" i="1" dirty="0">
+                <a:latin typeface="Times New Roman" panose="02020603050405020304" pitchFamily="18" charset="0"/>
+                <a:cs typeface="Times New Roman" panose="02020603050405020304" pitchFamily="18" charset="0"/>
+              </a:rPr>
               <a:t>Этап 3. Формирование критериев выбора системы электронного документооборота</a:t>
+            </a:r>
+            <a:r>
+              <a:rPr lang="ru-RU" sz="2400" dirty="0">
+                <a:latin typeface="Times New Roman" panose="02020603050405020304" pitchFamily="18" charset="0"/>
+                <a:cs typeface="Times New Roman" panose="02020603050405020304" pitchFamily="18" charset="0"/>
+              </a:rPr>
+              <a:t>.</a:t>
+            </a:r>
+          </a:p>
+          <a:p>
+            <a:pPr>
+              <a:lnSpc>
+                <a:spcPct val="150000"/>
+              </a:lnSpc>
+            </a:pPr>
+            <a:r>
+              <a:rPr lang="ru-RU" sz="2400" dirty="0">
+                <a:latin typeface="Times New Roman" panose="02020603050405020304" pitchFamily="18" charset="0"/>
+                <a:cs typeface="Times New Roman" panose="02020603050405020304" pitchFamily="18" charset="0"/>
+              </a:rPr>
+              <a:t>На основании данных первого и второго этапов необходимо сформулировать набор критериев для выбора СЭД. Критерии выбора СЭД будут во многом определять объем дальнейших работ и порядок организации взаимодействия с поставщиком системы</a:t>
             </a:r>
             <a:r>
               <a:rPr lang="ru-RU" sz="2800" dirty="0"/>
               <a:t>.</a:t>
-            </a:r>
-          </a:p>
-          <a:p>
-            <a:r>
-              <a:rPr lang="ru-RU" sz="2800" dirty="0"/>
-              <a:t>На основании данных первого и второго этапов необходимо сформулировать набор критериев для выбора СЭД. Критерии выбора СЭД будут во многом определять объем дальнейших работ и порядок организации взаимодействия с поставщиком системы.</a:t>
             </a:r>
           </a:p>
         </p:txBody>
@@ -17380,15 +17259,34 @@
           </a:bodyPr>
           <a:lstStyle/>
           <a:p>
+            <a:pPr>
+              <a:lnSpc>
+                <a:spcPct val="150000"/>
+              </a:lnSpc>
+            </a:pPr>
             <a:r>
-              <a:rPr lang="ru-RU" sz="2800" i="1" dirty="0"/>
+              <a:rPr lang="ru-RU" sz="2400" i="1" dirty="0">
+                <a:latin typeface="Times New Roman" panose="02020603050405020304" pitchFamily="18" charset="0"/>
+                <a:cs typeface="Times New Roman" panose="02020603050405020304" pitchFamily="18" charset="0"/>
+              </a:rPr>
               <a:t>Этап 4. Выбор системы электронного документооборота.</a:t>
             </a:r>
-            <a:endParaRPr lang="ru-RU" sz="2800" dirty="0"/>
-          </a:p>
-          <a:p>
+            <a:endParaRPr lang="ru-RU" sz="2400" dirty="0">
+              <a:latin typeface="Times New Roman" panose="02020603050405020304" pitchFamily="18" charset="0"/>
+              <a:cs typeface="Times New Roman" panose="02020603050405020304" pitchFamily="18" charset="0"/>
+            </a:endParaRPr>
+          </a:p>
+          <a:p>
+            <a:pPr>
+              <a:lnSpc>
+                <a:spcPct val="150000"/>
+              </a:lnSpc>
+            </a:pPr>
             <a:r>
-              <a:rPr lang="ru-RU" sz="2800" dirty="0"/>
+              <a:rPr lang="ru-RU" sz="2400" dirty="0">
+                <a:latin typeface="Times New Roman" panose="02020603050405020304" pitchFamily="18" charset="0"/>
+                <a:cs typeface="Times New Roman" panose="02020603050405020304" pitchFamily="18" charset="0"/>
+              </a:rPr>
               <a:t>Этот этап позволяет организации определить основные технологии, на основании которых будет работать система электронного документооборота, выбрать подходящую систему и определить поставщика услуг по внедрению системы электронного документооборота.</a:t>
             </a:r>
           </a:p>
@@ -17648,7 +17546,7 @@
         <p:spPr>
           <a:xfrm>
             <a:off x="0" y="1343179"/>
-            <a:ext cx="8400582" cy="4610485"/>
+            <a:ext cx="9144000" cy="4610485"/>
           </a:xfrm>
           <a:prstGeom prst="rect">
             <a:avLst/>
@@ -17664,15 +17562,34 @@
           </a:bodyPr>
           <a:lstStyle/>
           <a:p>
+            <a:pPr>
+              <a:lnSpc>
+                <a:spcPct val="150000"/>
+              </a:lnSpc>
+            </a:pPr>
             <a:r>
-              <a:rPr lang="ru-RU" sz="2800" i="1" dirty="0"/>
+              <a:rPr lang="ru-RU" sz="2400" i="1" dirty="0">
+                <a:latin typeface="Times New Roman" panose="02020603050405020304" pitchFamily="18" charset="0"/>
+                <a:cs typeface="Times New Roman" panose="02020603050405020304" pitchFamily="18" charset="0"/>
+              </a:rPr>
               <a:t>Этап 5. Управление проектом внедрения системы электронного документооборота.</a:t>
             </a:r>
-            <a:endParaRPr lang="ru-RU" sz="2800" dirty="0"/>
-          </a:p>
-          <a:p>
+            <a:endParaRPr lang="ru-RU" sz="2400" dirty="0">
+              <a:latin typeface="Times New Roman" panose="02020603050405020304" pitchFamily="18" charset="0"/>
+              <a:cs typeface="Times New Roman" panose="02020603050405020304" pitchFamily="18" charset="0"/>
+            </a:endParaRPr>
+          </a:p>
+          <a:p>
+            <a:pPr>
+              <a:lnSpc>
+                <a:spcPct val="150000"/>
+              </a:lnSpc>
+            </a:pPr>
             <a:r>
-              <a:rPr lang="ru-RU" sz="2800" dirty="0"/>
+              <a:rPr lang="ru-RU" sz="2400" dirty="0">
+                <a:latin typeface="Times New Roman" panose="02020603050405020304" pitchFamily="18" charset="0"/>
+                <a:cs typeface="Times New Roman" panose="02020603050405020304" pitchFamily="18" charset="0"/>
+              </a:rPr>
               <a:t>После выбора поставщика системы электронного документооборота необходимо разработать план внедрения. Этот этап может занять достаточно много времени, однако время на планирование поможет значительно сократить время на внедрение системы. План может быть разработан совместно с поставщиком услуг.</a:t>
             </a:r>
           </a:p>
@@ -17931,8 +17848,8 @@
         </p:nvSpPr>
         <p:spPr>
           <a:xfrm>
-            <a:off x="0" y="1343179"/>
-            <a:ext cx="8400582" cy="4610485"/>
+            <a:off x="0" y="1327292"/>
+            <a:ext cx="9265920" cy="4610485"/>
           </a:xfrm>
           <a:prstGeom prst="rect">
             <a:avLst/>
@@ -17948,18 +17865,37 @@
           </a:bodyPr>
           <a:lstStyle/>
           <a:p>
+            <a:pPr>
+              <a:lnSpc>
+                <a:spcPct val="150000"/>
+              </a:lnSpc>
+            </a:pPr>
             <a:r>
-              <a:rPr lang="ru-RU" sz="2800" i="1" dirty="0"/>
+              <a:rPr lang="ru-RU" sz="2800" i="1" dirty="0">
+                <a:latin typeface="Times New Roman" panose="02020603050405020304" pitchFamily="18" charset="0"/>
+                <a:cs typeface="Times New Roman" panose="02020603050405020304" pitchFamily="18" charset="0"/>
+              </a:rPr>
               <a:t>Этап 6. Документирование системы</a:t>
             </a:r>
             <a:r>
-              <a:rPr lang="ru-RU" sz="2800" dirty="0"/>
+              <a:rPr lang="ru-RU" sz="2800" dirty="0">
+                <a:latin typeface="Times New Roman" panose="02020603050405020304" pitchFamily="18" charset="0"/>
+                <a:cs typeface="Times New Roman" panose="02020603050405020304" pitchFamily="18" charset="0"/>
+              </a:rPr>
               <a:t>.</a:t>
             </a:r>
           </a:p>
           <a:p>
+            <a:pPr>
+              <a:lnSpc>
+                <a:spcPct val="150000"/>
+              </a:lnSpc>
+            </a:pPr>
             <a:r>
-              <a:rPr lang="ru-RU" sz="2800" dirty="0"/>
+              <a:rPr lang="ru-RU" sz="2800" dirty="0">
+                <a:latin typeface="Times New Roman" panose="02020603050405020304" pitchFamily="18" charset="0"/>
+                <a:cs typeface="Times New Roman" panose="02020603050405020304" pitchFamily="18" charset="0"/>
+              </a:rPr>
               <a:t>Этот этап может выполняться параллельно с предыдущим этапом. Целью данного этапа является создание определенных организационных правил, которые обеспечат стабильную работу системы электронного документооборота.</a:t>
             </a:r>
           </a:p>
@@ -18218,8 +18154,8 @@
         </p:nvSpPr>
         <p:spPr>
           <a:xfrm>
-            <a:off x="0" y="1343179"/>
-            <a:ext cx="8400582" cy="4610485"/>
+            <a:off x="-1" y="1343179"/>
+            <a:ext cx="8952411" cy="4610485"/>
           </a:xfrm>
           <a:prstGeom prst="rect">
             <a:avLst/>
@@ -18235,18 +18171,37 @@
           </a:bodyPr>
           <a:lstStyle/>
           <a:p>
+            <a:pPr>
+              <a:lnSpc>
+                <a:spcPct val="150000"/>
+              </a:lnSpc>
+            </a:pPr>
             <a:r>
-              <a:rPr lang="ru-RU" sz="2800" i="1" dirty="0"/>
+              <a:rPr lang="ru-RU" sz="2800" i="1" dirty="0">
+                <a:latin typeface="Times New Roman" panose="02020603050405020304" pitchFamily="18" charset="0"/>
+                <a:cs typeface="Times New Roman" panose="02020603050405020304" pitchFamily="18" charset="0"/>
+              </a:rPr>
               <a:t>Этап 6. Документирование системы</a:t>
             </a:r>
             <a:r>
-              <a:rPr lang="ru-RU" sz="2800" dirty="0"/>
+              <a:rPr lang="ru-RU" sz="2800" dirty="0">
+                <a:latin typeface="Times New Roman" panose="02020603050405020304" pitchFamily="18" charset="0"/>
+                <a:cs typeface="Times New Roman" panose="02020603050405020304" pitchFamily="18" charset="0"/>
+              </a:rPr>
               <a:t>.</a:t>
             </a:r>
           </a:p>
           <a:p>
+            <a:pPr>
+              <a:lnSpc>
+                <a:spcPct val="150000"/>
+              </a:lnSpc>
+            </a:pPr>
             <a:r>
-              <a:rPr lang="ru-RU" sz="2800" dirty="0"/>
+              <a:rPr lang="ru-RU" sz="2800" dirty="0">
+                <a:latin typeface="Times New Roman" panose="02020603050405020304" pitchFamily="18" charset="0"/>
+                <a:cs typeface="Times New Roman" panose="02020603050405020304" pitchFamily="18" charset="0"/>
+              </a:rPr>
               <a:t>Этот этап может выполняться параллельно с предыдущим этапом. Целью данного этапа является создание определенных организационных правил, которые обеспечат стабильную работу системы электронного документооборота.</a:t>
             </a:r>
           </a:p>
@@ -18497,8 +18452,8 @@
         </p:nvSpPr>
         <p:spPr>
           <a:xfrm>
-            <a:off x="0" y="1343179"/>
-            <a:ext cx="8400582" cy="4610485"/>
+            <a:off x="-1" y="1343179"/>
+            <a:ext cx="9074331" cy="4610485"/>
           </a:xfrm>
           <a:prstGeom prst="rect">
             <a:avLst/>
@@ -18514,43 +18469,88 @@
           </a:bodyPr>
           <a:lstStyle/>
           <a:p>
+            <a:pPr>
+              <a:lnSpc>
+                <a:spcPct val="150000"/>
+              </a:lnSpc>
+            </a:pPr>
             <a:r>
-              <a:rPr lang="ru-RU" sz="2800" dirty="0"/>
+              <a:rPr lang="ru-RU" sz="2400" dirty="0">
+                <a:latin typeface="Times New Roman" panose="02020603050405020304" pitchFamily="18" charset="0"/>
+                <a:cs typeface="Times New Roman" panose="02020603050405020304" pitchFamily="18" charset="0"/>
+              </a:rPr>
               <a:t>Так как университет сотрудничает с компанией </a:t>
             </a:r>
             <a:r>
-              <a:rPr lang="ru-RU" sz="2800" dirty="0" err="1"/>
+              <a:rPr lang="ru-RU" sz="2400" dirty="0" err="1">
+                <a:latin typeface="Times New Roman" panose="02020603050405020304" pitchFamily="18" charset="0"/>
+                <a:cs typeface="Times New Roman" panose="02020603050405020304" pitchFamily="18" charset="0"/>
+              </a:rPr>
               <a:t>Инфотекс</a:t>
             </a:r>
             <a:r>
-              <a:rPr lang="ru-RU" sz="2800" dirty="0"/>
+              <a:rPr lang="ru-RU" sz="2400" dirty="0">
+                <a:latin typeface="Times New Roman" panose="02020603050405020304" pitchFamily="18" charset="0"/>
+                <a:cs typeface="Times New Roman" panose="02020603050405020304" pitchFamily="18" charset="0"/>
+              </a:rPr>
               <a:t>, то следовательно использовать стоит УЦ именно этой компании</a:t>
             </a:r>
             <a:r>
-              <a:rPr lang="ru-RU" sz="2800" dirty="0" smtClean="0"/>
+              <a:rPr lang="ru-RU" sz="2400" dirty="0" smtClean="0">
+                <a:latin typeface="Times New Roman" panose="02020603050405020304" pitchFamily="18" charset="0"/>
+                <a:cs typeface="Times New Roman" panose="02020603050405020304" pitchFamily="18" charset="0"/>
+              </a:rPr>
               <a:t>.</a:t>
             </a:r>
           </a:p>
           <a:p>
             <a:pPr marL="114300" indent="0">
+              <a:lnSpc>
+                <a:spcPct val="150000"/>
+              </a:lnSpc>
               <a:buNone/>
             </a:pPr>
-            <a:endParaRPr lang="ru-RU" sz="2800" dirty="0"/>
-          </a:p>
-          <a:p>
+            <a:endParaRPr lang="ru-RU" sz="2400" dirty="0">
+              <a:latin typeface="Times New Roman" panose="02020603050405020304" pitchFamily="18" charset="0"/>
+              <a:cs typeface="Times New Roman" panose="02020603050405020304" pitchFamily="18" charset="0"/>
+            </a:endParaRPr>
+          </a:p>
+          <a:p>
+            <a:pPr>
+              <a:lnSpc>
+                <a:spcPct val="150000"/>
+              </a:lnSpc>
+            </a:pPr>
             <a:r>
-              <a:rPr lang="ru-RU" sz="2800" b="1" dirty="0"/>
+              <a:rPr lang="ru-RU" sz="2400" b="1" dirty="0">
+                <a:latin typeface="Times New Roman" panose="02020603050405020304" pitchFamily="18" charset="0"/>
+                <a:cs typeface="Times New Roman" panose="02020603050405020304" pitchFamily="18" charset="0"/>
+              </a:rPr>
               <a:t>УЦ </a:t>
             </a:r>
             <a:r>
-              <a:rPr lang="en-US" sz="2800" b="1" dirty="0" err="1"/>
+              <a:rPr lang="en-US" sz="2400" b="1" dirty="0" err="1">
+                <a:latin typeface="Times New Roman" panose="02020603050405020304" pitchFamily="18" charset="0"/>
+                <a:cs typeface="Times New Roman" panose="02020603050405020304" pitchFamily="18" charset="0"/>
+              </a:rPr>
               <a:t>Infotecs</a:t>
             </a:r>
-            <a:endParaRPr lang="ru-RU" sz="2800" dirty="0"/>
-          </a:p>
-          <a:p>
+            <a:endParaRPr lang="ru-RU" sz="2400" dirty="0">
+              <a:latin typeface="Times New Roman" panose="02020603050405020304" pitchFamily="18" charset="0"/>
+              <a:cs typeface="Times New Roman" panose="02020603050405020304" pitchFamily="18" charset="0"/>
+            </a:endParaRPr>
+          </a:p>
+          <a:p>
+            <a:pPr>
+              <a:lnSpc>
+                <a:spcPct val="150000"/>
+              </a:lnSpc>
+            </a:pPr>
             <a:r>
-              <a:rPr lang="ru-RU" sz="2800" dirty="0"/>
+              <a:rPr lang="ru-RU" sz="2400" dirty="0">
+                <a:latin typeface="Times New Roman" panose="02020603050405020304" pitchFamily="18" charset="0"/>
+                <a:cs typeface="Times New Roman" panose="02020603050405020304" pitchFamily="18" charset="0"/>
+              </a:rPr>
               <a:t>Ниже предоставлена информация непосредственно с сайта партнера нашего университета. </a:t>
             </a:r>
           </a:p>
@@ -18999,7 +18999,14 @@
                 <a:latin typeface="Times New Roman" pitchFamily="18" charset="0"/>
                 <a:cs typeface="Times New Roman" pitchFamily="18" charset="0"/>
               </a:rPr>
-              <a:t>Теоретическая часть</a:t>
+              <a:t>Теоретическая </a:t>
+            </a:r>
+            <a:r>
+              <a:rPr lang="ru-RU" sz="2400" dirty="0" smtClean="0">
+                <a:latin typeface="Times New Roman" pitchFamily="18" charset="0"/>
+                <a:cs typeface="Times New Roman" pitchFamily="18" charset="0"/>
+              </a:rPr>
+              <a:t>часть (Основные термины, используемые в работе)</a:t>
             </a:r>
             <a:endParaRPr sz="2400" dirty="0">
               <a:latin typeface="Times New Roman" pitchFamily="18" charset="0"/>
@@ -19039,7 +19046,21 @@
                 <a:latin typeface="Times New Roman" pitchFamily="18" charset="0"/>
                 <a:cs typeface="Times New Roman" pitchFamily="18" charset="0"/>
               </a:rPr>
-              <a:t>На основе анализа предоставленных данных, предоставить возможную реализацию на административном уровне</a:t>
+              <a:t>На основе анализа </a:t>
+            </a:r>
+            <a:r>
+              <a:rPr lang="ru-RU" dirty="0" smtClean="0">
+                <a:latin typeface="Times New Roman" pitchFamily="18" charset="0"/>
+                <a:cs typeface="Times New Roman" pitchFamily="18" charset="0"/>
+              </a:rPr>
+              <a:t>полученных данных</a:t>
+            </a:r>
+            <a:r>
+              <a:rPr lang="ru-RU" dirty="0" smtClean="0">
+                <a:latin typeface="Times New Roman" pitchFamily="18" charset="0"/>
+                <a:cs typeface="Times New Roman" pitchFamily="18" charset="0"/>
+              </a:rPr>
+              <a:t>, предоставить возможную реализацию на административном уровне</a:t>
             </a:r>
             <a:endParaRPr dirty="0">
               <a:latin typeface="Times New Roman" pitchFamily="18" charset="0"/>
@@ -19359,7 +19380,6 @@
               <a:rPr lang="ru-RU" sz="2800" dirty="0"/>
               <a:t> </a:t>
             </a:r>
-            <a:endParaRPr lang="ru-RU" sz="2800" dirty="0"/>
           </a:p>
         </p:txBody>
       </p:sp>
@@ -19660,7 +19680,6 @@
               <a:rPr lang="ru-RU" sz="2800" dirty="0"/>
               <a:t> </a:t>
             </a:r>
-            <a:endParaRPr lang="ru-RU" sz="2800" dirty="0"/>
           </a:p>
         </p:txBody>
       </p:sp>
@@ -19807,602 +19826,6 @@
 </file>
 
 <file path=ppt/slides/slide22.xml><?xml version="1.0" encoding="utf-8"?>
-<p:sld xmlns:a="http://schemas.openxmlformats.org/drawingml/2006/main" xmlns:r="http://schemas.openxmlformats.org/officeDocument/2006/relationships" xmlns:p="http://schemas.openxmlformats.org/presentationml/2006/main">
-  <p:cSld>
-    <p:spTree>
-      <p:nvGrpSpPr>
-        <p:cNvPr id="1" name="Shape 310"/>
-        <p:cNvGrpSpPr/>
-        <p:nvPr/>
-      </p:nvGrpSpPr>
-      <p:grpSpPr>
-        <a:xfrm>
-          <a:off x="0" y="0"/>
-          <a:ext cx="0" cy="0"/>
-          <a:chOff x="0" y="0"/>
-          <a:chExt cx="0" cy="0"/>
-        </a:xfrm>
-      </p:grpSpPr>
-      <p:sp>
-        <p:nvSpPr>
-          <p:cNvPr id="311" name="Google Shape;311;p33"/>
-          <p:cNvSpPr txBox="1">
-            <a:spLocks noGrp="1"/>
-          </p:cNvSpPr>
-          <p:nvPr>
-            <p:ph type="title"/>
-          </p:nvPr>
-        </p:nvSpPr>
-        <p:spPr>
-          <a:xfrm>
-            <a:off x="971600" y="980728"/>
-            <a:ext cx="7725544" cy="504056"/>
-          </a:xfrm>
-          <a:prstGeom prst="rect">
-            <a:avLst/>
-          </a:prstGeom>
-          <a:noFill/>
-          <a:ln>
-            <a:noFill/>
-          </a:ln>
-        </p:spPr>
-        <p:txBody>
-          <a:bodyPr spcFirstLastPara="1" wrap="square" lIns="91425" tIns="45700" rIns="91425" bIns="45700" anchor="ctr" anchorCtr="0">
-            <a:noAutofit/>
-          </a:bodyPr>
-          <a:lstStyle/>
-          <a:p>
-            <a:pPr lvl="0" algn="l">
-              <a:buClr>
-                <a:srgbClr val="E63246"/>
-              </a:buClr>
-            </a:pPr>
-            <a:r>
-              <a:rPr lang="ru-RU" sz="1800" b="1" dirty="0">
-                <a:solidFill>
-                  <a:srgbClr val="FF0000"/>
-                </a:solidFill>
-              </a:rPr>
-              <a:t>Выбор УЦ</a:t>
-            </a:r>
-            <a:endParaRPr sz="1800" b="1" dirty="0">
-              <a:solidFill>
-                <a:srgbClr val="FF0000"/>
-              </a:solidFill>
-            </a:endParaRPr>
-          </a:p>
-        </p:txBody>
-      </p:sp>
-      <p:cxnSp>
-        <p:nvCxnSpPr>
-          <p:cNvPr id="312" name="Google Shape;312;p33"/>
-          <p:cNvCxnSpPr/>
-          <p:nvPr/>
-        </p:nvCxnSpPr>
-        <p:spPr>
-          <a:xfrm>
-            <a:off x="683568" y="980728"/>
-            <a:ext cx="6995063" cy="0"/>
-          </a:xfrm>
-          <a:prstGeom prst="straightConnector1">
-            <a:avLst/>
-          </a:prstGeom>
-          <a:noFill/>
-          <a:ln w="9525" cap="flat" cmpd="sng">
-            <a:solidFill>
-              <a:schemeClr val="dk1"/>
-            </a:solidFill>
-            <a:prstDash val="solid"/>
-            <a:round/>
-            <a:headEnd type="none" w="sm" len="sm"/>
-            <a:tailEnd type="none" w="sm" len="sm"/>
-          </a:ln>
-        </p:spPr>
-      </p:cxnSp>
-      <p:cxnSp>
-        <p:nvCxnSpPr>
-          <p:cNvPr id="313" name="Google Shape;313;p33"/>
-          <p:cNvCxnSpPr/>
-          <p:nvPr/>
-        </p:nvCxnSpPr>
-        <p:spPr>
-          <a:xfrm rot="10800000">
-            <a:off x="899592" y="476672"/>
-            <a:ext cx="0" cy="720080"/>
-          </a:xfrm>
-          <a:prstGeom prst="straightConnector1">
-            <a:avLst/>
-          </a:prstGeom>
-          <a:noFill/>
-          <a:ln w="9525" cap="flat" cmpd="sng">
-            <a:solidFill>
-              <a:schemeClr val="dk1"/>
-            </a:solidFill>
-            <a:prstDash val="solid"/>
-            <a:round/>
-            <a:headEnd type="none" w="sm" len="sm"/>
-            <a:tailEnd type="none" w="sm" len="sm"/>
-          </a:ln>
-        </p:spPr>
-      </p:cxnSp>
-      <p:sp>
-        <p:nvSpPr>
-          <p:cNvPr id="314" name="Google Shape;314;p33"/>
-          <p:cNvSpPr txBox="1">
-            <a:spLocks noGrp="1"/>
-          </p:cNvSpPr>
-          <p:nvPr>
-            <p:ph type="body" idx="1"/>
-          </p:nvPr>
-        </p:nvSpPr>
-        <p:spPr>
-          <a:xfrm>
-            <a:off x="0" y="1343179"/>
-            <a:ext cx="8400582" cy="4610485"/>
-          </a:xfrm>
-          <a:prstGeom prst="rect">
-            <a:avLst/>
-          </a:prstGeom>
-          <a:noFill/>
-          <a:ln>
-            <a:noFill/>
-          </a:ln>
-        </p:spPr>
-        <p:txBody>
-          <a:bodyPr spcFirstLastPara="1" wrap="square" lIns="91425" tIns="45700" rIns="91425" bIns="45700" anchor="t" anchorCtr="0">
-            <a:noAutofit/>
-          </a:bodyPr>
-          <a:lstStyle/>
-          <a:p>
-            <a:pPr marL="114300" indent="0">
-              <a:buNone/>
-            </a:pPr>
-            <a:r>
-              <a:rPr lang="ru-RU" sz="2800" dirty="0"/>
-              <a:t> </a:t>
-            </a:r>
-            <a:endParaRPr lang="ru-RU" sz="2800" dirty="0"/>
-          </a:p>
-        </p:txBody>
-      </p:sp>
-      <p:sp>
-        <p:nvSpPr>
-          <p:cNvPr id="315" name="Google Shape;315;p33"/>
-          <p:cNvSpPr txBox="1"/>
-          <p:nvPr/>
-        </p:nvSpPr>
-        <p:spPr>
-          <a:xfrm>
-            <a:off x="971600" y="476672"/>
-            <a:ext cx="7725544" cy="504056"/>
-          </a:xfrm>
-          <a:prstGeom prst="rect">
-            <a:avLst/>
-          </a:prstGeom>
-          <a:noFill/>
-          <a:ln>
-            <a:noFill/>
-          </a:ln>
-        </p:spPr>
-        <p:txBody>
-          <a:bodyPr spcFirstLastPara="1" wrap="square" lIns="91425" tIns="45700" rIns="91425" bIns="45700" anchor="ctr" anchorCtr="0">
-            <a:noAutofit/>
-          </a:bodyPr>
-          <a:lstStyle/>
-          <a:p>
-            <a:pPr marL="0" marR="0" lvl="0" indent="0" algn="l" rtl="0">
-              <a:spcBef>
-                <a:spcPts val="0"/>
-              </a:spcBef>
-              <a:spcAft>
-                <a:spcPts val="0"/>
-              </a:spcAft>
-              <a:buClr>
-                <a:srgbClr val="000000"/>
-              </a:buClr>
-              <a:buSzPts val="2000"/>
-              <a:buFont typeface="Arial"/>
-              <a:buNone/>
-            </a:pPr>
-            <a:r>
-              <a:rPr lang="ru-RU" sz="2400" b="1"/>
-              <a:t>Заключение</a:t>
-            </a:r>
-            <a:endParaRPr sz="2400" b="1">
-              <a:solidFill>
-                <a:srgbClr val="000000"/>
-              </a:solidFill>
-              <a:latin typeface="Arial"/>
-              <a:ea typeface="Arial"/>
-              <a:cs typeface="Arial"/>
-              <a:sym typeface="Arial"/>
-            </a:endParaRPr>
-          </a:p>
-        </p:txBody>
-      </p:sp>
-      <p:sp>
-        <p:nvSpPr>
-          <p:cNvPr id="316" name="Google Shape;316;p33"/>
-          <p:cNvSpPr txBox="1">
-            <a:spLocks noGrp="1"/>
-          </p:cNvSpPr>
-          <p:nvPr>
-            <p:ph type="sldNum" idx="12"/>
-          </p:nvPr>
-        </p:nvSpPr>
-        <p:spPr>
-          <a:xfrm>
-            <a:off x="6553200" y="6356350"/>
-            <a:ext cx="2133600" cy="365125"/>
-          </a:xfrm>
-          <a:prstGeom prst="rect">
-            <a:avLst/>
-          </a:prstGeom>
-          <a:noFill/>
-          <a:ln>
-            <a:noFill/>
-          </a:ln>
-        </p:spPr>
-        <p:txBody>
-          <a:bodyPr spcFirstLastPara="1" wrap="square" lIns="91425" tIns="45700" rIns="91425" bIns="45700" anchor="ctr" anchorCtr="0">
-            <a:noAutofit/>
-          </a:bodyPr>
-          <a:lstStyle/>
-          <a:p>
-            <a:pPr marL="0" lvl="0" indent="0" algn="r" rtl="0">
-              <a:spcBef>
-                <a:spcPts val="0"/>
-              </a:spcBef>
-              <a:spcAft>
-                <a:spcPts val="0"/>
-              </a:spcAft>
-              <a:buNone/>
-            </a:pPr>
-            <a:fld id="{00000000-1234-1234-1234-123412341234}" type="slidenum">
-              <a:rPr lang="ru-RU"/>
-              <a:t>22</a:t>
-            </a:fld>
-            <a:endParaRPr/>
-          </a:p>
-        </p:txBody>
-      </p:sp>
-      <p:pic>
-        <p:nvPicPr>
-          <p:cNvPr id="10" name="Рисунок 9"/>
-          <p:cNvPicPr/>
-          <p:nvPr/>
-        </p:nvPicPr>
-        <p:blipFill>
-          <a:blip r:embed="rId3">
-            <a:extLst>
-              <a:ext uri="{28A0092B-C50C-407E-A947-70E740481C1C}">
-                <a14:useLocalDpi xmlns:a14="http://schemas.microsoft.com/office/drawing/2010/main" val="0"/>
-              </a:ext>
-            </a:extLst>
-          </a:blip>
-          <a:stretch>
-            <a:fillRect/>
-          </a:stretch>
-        </p:blipFill>
-        <p:spPr>
-          <a:xfrm>
-            <a:off x="296562" y="1764595"/>
-            <a:ext cx="8711513" cy="3326389"/>
-          </a:xfrm>
-          <a:prstGeom prst="rect">
-            <a:avLst/>
-          </a:prstGeom>
-        </p:spPr>
-      </p:pic>
-    </p:spTree>
-    <p:extLst>
-      <p:ext uri="{BB962C8B-B14F-4D97-AF65-F5344CB8AC3E}">
-        <p14:creationId xmlns:p14="http://schemas.microsoft.com/office/powerpoint/2010/main" val="2204504824"/>
-      </p:ext>
-    </p:extLst>
-  </p:cSld>
-  <p:clrMapOvr>
-    <a:masterClrMapping/>
-  </p:clrMapOvr>
-</p:sld>
-</file>
-
-<file path=ppt/slides/slide23.xml><?xml version="1.0" encoding="utf-8"?>
-<p:sld xmlns:a="http://schemas.openxmlformats.org/drawingml/2006/main" xmlns:r="http://schemas.openxmlformats.org/officeDocument/2006/relationships" xmlns:p="http://schemas.openxmlformats.org/presentationml/2006/main">
-  <p:cSld>
-    <p:spTree>
-      <p:nvGrpSpPr>
-        <p:cNvPr id="1" name="Shape 310"/>
-        <p:cNvGrpSpPr/>
-        <p:nvPr/>
-      </p:nvGrpSpPr>
-      <p:grpSpPr>
-        <a:xfrm>
-          <a:off x="0" y="0"/>
-          <a:ext cx="0" cy="0"/>
-          <a:chOff x="0" y="0"/>
-          <a:chExt cx="0" cy="0"/>
-        </a:xfrm>
-      </p:grpSpPr>
-      <p:sp>
-        <p:nvSpPr>
-          <p:cNvPr id="311" name="Google Shape;311;p33"/>
-          <p:cNvSpPr txBox="1">
-            <a:spLocks noGrp="1"/>
-          </p:cNvSpPr>
-          <p:nvPr>
-            <p:ph type="title"/>
-          </p:nvPr>
-        </p:nvSpPr>
-        <p:spPr>
-          <a:xfrm>
-            <a:off x="971600" y="980728"/>
-            <a:ext cx="7725544" cy="504056"/>
-          </a:xfrm>
-          <a:prstGeom prst="rect">
-            <a:avLst/>
-          </a:prstGeom>
-          <a:noFill/>
-          <a:ln>
-            <a:noFill/>
-          </a:ln>
-        </p:spPr>
-        <p:txBody>
-          <a:bodyPr spcFirstLastPara="1" wrap="square" lIns="91425" tIns="45700" rIns="91425" bIns="45700" anchor="ctr" anchorCtr="0">
-            <a:noAutofit/>
-          </a:bodyPr>
-          <a:lstStyle/>
-          <a:p>
-            <a:pPr lvl="0" algn="l">
-              <a:buClr>
-                <a:srgbClr val="E63246"/>
-              </a:buClr>
-            </a:pPr>
-            <a:r>
-              <a:rPr lang="ru-RU" sz="1800" b="1" dirty="0" err="1" smtClean="0">
-                <a:solidFill>
-                  <a:srgbClr val="FF0000"/>
-                </a:solidFill>
-              </a:rPr>
-              <a:t>Админисрация</a:t>
-            </a:r>
-            <a:endParaRPr sz="1800" b="1" dirty="0">
-              <a:solidFill>
-                <a:srgbClr val="FF0000"/>
-              </a:solidFill>
-            </a:endParaRPr>
-          </a:p>
-        </p:txBody>
-      </p:sp>
-      <p:cxnSp>
-        <p:nvCxnSpPr>
-          <p:cNvPr id="312" name="Google Shape;312;p33"/>
-          <p:cNvCxnSpPr/>
-          <p:nvPr/>
-        </p:nvCxnSpPr>
-        <p:spPr>
-          <a:xfrm>
-            <a:off x="683568" y="980728"/>
-            <a:ext cx="6995063" cy="0"/>
-          </a:xfrm>
-          <a:prstGeom prst="straightConnector1">
-            <a:avLst/>
-          </a:prstGeom>
-          <a:noFill/>
-          <a:ln w="9525" cap="flat" cmpd="sng">
-            <a:solidFill>
-              <a:schemeClr val="dk1"/>
-            </a:solidFill>
-            <a:prstDash val="solid"/>
-            <a:round/>
-            <a:headEnd type="none" w="sm" len="sm"/>
-            <a:tailEnd type="none" w="sm" len="sm"/>
-          </a:ln>
-        </p:spPr>
-      </p:cxnSp>
-      <p:cxnSp>
-        <p:nvCxnSpPr>
-          <p:cNvPr id="313" name="Google Shape;313;p33"/>
-          <p:cNvCxnSpPr/>
-          <p:nvPr/>
-        </p:nvCxnSpPr>
-        <p:spPr>
-          <a:xfrm rot="10800000">
-            <a:off x="899592" y="476672"/>
-            <a:ext cx="0" cy="720080"/>
-          </a:xfrm>
-          <a:prstGeom prst="straightConnector1">
-            <a:avLst/>
-          </a:prstGeom>
-          <a:noFill/>
-          <a:ln w="9525" cap="flat" cmpd="sng">
-            <a:solidFill>
-              <a:schemeClr val="dk1"/>
-            </a:solidFill>
-            <a:prstDash val="solid"/>
-            <a:round/>
-            <a:headEnd type="none" w="sm" len="sm"/>
-            <a:tailEnd type="none" w="sm" len="sm"/>
-          </a:ln>
-        </p:spPr>
-      </p:cxnSp>
-      <p:sp>
-        <p:nvSpPr>
-          <p:cNvPr id="314" name="Google Shape;314;p33"/>
-          <p:cNvSpPr txBox="1">
-            <a:spLocks noGrp="1"/>
-          </p:cNvSpPr>
-          <p:nvPr>
-            <p:ph type="body" idx="1"/>
-          </p:nvPr>
-        </p:nvSpPr>
-        <p:spPr>
-          <a:xfrm>
-            <a:off x="0" y="1343179"/>
-            <a:ext cx="8400582" cy="4610485"/>
-          </a:xfrm>
-          <a:prstGeom prst="rect">
-            <a:avLst/>
-          </a:prstGeom>
-          <a:noFill/>
-          <a:ln>
-            <a:noFill/>
-          </a:ln>
-        </p:spPr>
-        <p:txBody>
-          <a:bodyPr spcFirstLastPara="1" wrap="square" lIns="91425" tIns="45700" rIns="91425" bIns="45700" anchor="t" anchorCtr="0">
-            <a:noAutofit/>
-          </a:bodyPr>
-          <a:lstStyle/>
-          <a:p>
-            <a:pPr marL="114300" indent="0">
-              <a:buNone/>
-            </a:pPr>
-            <a:r>
-              <a:rPr lang="ru-RU" sz="2800" dirty="0"/>
-              <a:t> </a:t>
-            </a:r>
-            <a:endParaRPr lang="ru-RU" sz="2800" dirty="0"/>
-          </a:p>
-        </p:txBody>
-      </p:sp>
-      <p:sp>
-        <p:nvSpPr>
-          <p:cNvPr id="315" name="Google Shape;315;p33"/>
-          <p:cNvSpPr txBox="1"/>
-          <p:nvPr/>
-        </p:nvSpPr>
-        <p:spPr>
-          <a:xfrm>
-            <a:off x="971600" y="476672"/>
-            <a:ext cx="7725544" cy="504056"/>
-          </a:xfrm>
-          <a:prstGeom prst="rect">
-            <a:avLst/>
-          </a:prstGeom>
-          <a:noFill/>
-          <a:ln>
-            <a:noFill/>
-          </a:ln>
-        </p:spPr>
-        <p:txBody>
-          <a:bodyPr spcFirstLastPara="1" wrap="square" lIns="91425" tIns="45700" rIns="91425" bIns="45700" anchor="ctr" anchorCtr="0">
-            <a:noAutofit/>
-          </a:bodyPr>
-          <a:lstStyle/>
-          <a:p>
-            <a:pPr marL="0" marR="0" lvl="0" indent="0" algn="l" rtl="0">
-              <a:spcBef>
-                <a:spcPts val="0"/>
-              </a:spcBef>
-              <a:spcAft>
-                <a:spcPts val="0"/>
-              </a:spcAft>
-              <a:buClr>
-                <a:srgbClr val="000000"/>
-              </a:buClr>
-              <a:buSzPts val="2000"/>
-              <a:buFont typeface="Arial"/>
-              <a:buNone/>
-            </a:pPr>
-            <a:r>
-              <a:rPr lang="ru-RU" sz="2400" b="1"/>
-              <a:t>Заключение</a:t>
-            </a:r>
-            <a:endParaRPr sz="2400" b="1">
-              <a:solidFill>
-                <a:srgbClr val="000000"/>
-              </a:solidFill>
-              <a:latin typeface="Arial"/>
-              <a:ea typeface="Arial"/>
-              <a:cs typeface="Arial"/>
-              <a:sym typeface="Arial"/>
-            </a:endParaRPr>
-          </a:p>
-        </p:txBody>
-      </p:sp>
-      <p:sp>
-        <p:nvSpPr>
-          <p:cNvPr id="316" name="Google Shape;316;p33"/>
-          <p:cNvSpPr txBox="1">
-            <a:spLocks noGrp="1"/>
-          </p:cNvSpPr>
-          <p:nvPr>
-            <p:ph type="sldNum" idx="12"/>
-          </p:nvPr>
-        </p:nvSpPr>
-        <p:spPr>
-          <a:xfrm>
-            <a:off x="6553200" y="6356350"/>
-            <a:ext cx="2133600" cy="365125"/>
-          </a:xfrm>
-          <a:prstGeom prst="rect">
-            <a:avLst/>
-          </a:prstGeom>
-          <a:noFill/>
-          <a:ln>
-            <a:noFill/>
-          </a:ln>
-        </p:spPr>
-        <p:txBody>
-          <a:bodyPr spcFirstLastPara="1" wrap="square" lIns="91425" tIns="45700" rIns="91425" bIns="45700" anchor="ctr" anchorCtr="0">
-            <a:noAutofit/>
-          </a:bodyPr>
-          <a:lstStyle/>
-          <a:p>
-            <a:pPr marL="0" lvl="0" indent="0" algn="r" rtl="0">
-              <a:spcBef>
-                <a:spcPts val="0"/>
-              </a:spcBef>
-              <a:spcAft>
-                <a:spcPts val="0"/>
-              </a:spcAft>
-              <a:buNone/>
-            </a:pPr>
-            <a:fld id="{00000000-1234-1234-1234-123412341234}" type="slidenum">
-              <a:rPr lang="ru-RU"/>
-              <a:t>23</a:t>
-            </a:fld>
-            <a:endParaRPr/>
-          </a:p>
-        </p:txBody>
-      </p:sp>
-      <p:pic>
-        <p:nvPicPr>
-          <p:cNvPr id="9" name="Рисунок 8"/>
-          <p:cNvPicPr/>
-          <p:nvPr/>
-        </p:nvPicPr>
-        <p:blipFill>
-          <a:blip r:embed="rId3"/>
-          <a:stretch>
-            <a:fillRect/>
-          </a:stretch>
-        </p:blipFill>
-        <p:spPr>
-          <a:xfrm>
-            <a:off x="555410" y="1471500"/>
-            <a:ext cx="6080168" cy="4496813"/>
-          </a:xfrm>
-          <a:prstGeom prst="rect">
-            <a:avLst/>
-          </a:prstGeom>
-        </p:spPr>
-      </p:pic>
-    </p:spTree>
-    <p:extLst>
-      <p:ext uri="{BB962C8B-B14F-4D97-AF65-F5344CB8AC3E}">
-        <p14:creationId xmlns:p14="http://schemas.microsoft.com/office/powerpoint/2010/main" val="1231712597"/>
-      </p:ext>
-    </p:extLst>
-  </p:cSld>
-  <p:clrMapOvr>
-    <a:masterClrMapping/>
-  </p:clrMapOvr>
-</p:sld>
-</file>
-
-<file path=ppt/slides/slide24.xml><?xml version="1.0" encoding="utf-8"?>
 <p:sld xmlns:a="http://schemas.openxmlformats.org/drawingml/2006/main" xmlns:r="http://schemas.openxmlformats.org/officeDocument/2006/relationships" xmlns:p="http://schemas.openxmlformats.org/presentationml/2006/main">
   <p:cSld>
     <p:bg>
@@ -20862,12 +20285,23 @@
           </a:bodyPr>
           <a:lstStyle/>
           <a:p>
+            <a:pPr>
+              <a:lnSpc>
+                <a:spcPct val="150000"/>
+              </a:lnSpc>
+            </a:pPr>
             <a:r>
-              <a:rPr lang="ru-RU" sz="3600" b="1" u="sng" dirty="0"/>
+              <a:rPr lang="ru-RU" b="1" u="sng" dirty="0">
+                <a:latin typeface="Times New Roman" panose="02020603050405020304" pitchFamily="18" charset="0"/>
+                <a:cs typeface="Times New Roman" panose="02020603050405020304" pitchFamily="18" charset="0"/>
+              </a:rPr>
               <a:t>Объектом исследования</a:t>
             </a:r>
             <a:r>
-              <a:rPr lang="ru-RU" sz="3600" dirty="0"/>
+              <a:rPr lang="ru-RU" dirty="0">
+                <a:latin typeface="Times New Roman" panose="02020603050405020304" pitchFamily="18" charset="0"/>
+                <a:cs typeface="Times New Roman" panose="02020603050405020304" pitchFamily="18" charset="0"/>
+              </a:rPr>
               <a:t>: является изучение процесса и способа передачи документов, используя ЭЦП. Изучение оборудования, используемое УЦ с целью внедрения их в университет для организации безопасной передачи данных.</a:t>
             </a:r>
           </a:p>
@@ -20889,16 +20323,10 @@
               <a:buFont typeface="Arial"/>
               <a:buNone/>
             </a:pPr>
-            <a:r>
-              <a:rPr lang="ru-RU" sz="3600" dirty="0" smtClean="0">
-                <a:latin typeface="Times New Roman"/>
-                <a:ea typeface="Times New Roman"/>
-                <a:cs typeface="Times New Roman"/>
-                <a:sym typeface="Times New Roman"/>
-              </a:rPr>
-              <a:t>.</a:t>
-            </a:r>
-            <a:endParaRPr sz="3600" dirty="0"/>
+            <a:endParaRPr dirty="0">
+              <a:latin typeface="Times New Roman" panose="02020603050405020304" pitchFamily="18" charset="0"/>
+              <a:cs typeface="Times New Roman" panose="02020603050405020304" pitchFamily="18" charset="0"/>
+            </a:endParaRPr>
           </a:p>
         </p:txBody>
       </p:sp>
@@ -21176,20 +20604,37 @@
           </a:bodyPr>
           <a:lstStyle/>
           <a:p>
+            <a:pPr>
+              <a:lnSpc>
+                <a:spcPct val="150000"/>
+              </a:lnSpc>
+            </a:pPr>
             <a:r>
-              <a:rPr lang="ru-RU" sz="3600" b="1" u="sng" dirty="0"/>
+              <a:rPr lang="ru-RU" b="1" u="sng" dirty="0">
+                <a:latin typeface="Times New Roman" panose="02020603050405020304" pitchFamily="18" charset="0"/>
+                <a:cs typeface="Times New Roman" panose="02020603050405020304" pitchFamily="18" charset="0"/>
+              </a:rPr>
               <a:t>Предметом исследования</a:t>
             </a:r>
             <a:r>
-              <a:rPr lang="ru-RU" sz="3600" dirty="0"/>
+              <a:rPr lang="ru-RU" dirty="0">
+                <a:latin typeface="Times New Roman" panose="02020603050405020304" pitchFamily="18" charset="0"/>
+                <a:cs typeface="Times New Roman" panose="02020603050405020304" pitchFamily="18" charset="0"/>
+              </a:rPr>
               <a:t>: является изучение видов ЭДО, а так же видов ЭЦП, УЦ и их оборудований. Изучение структуры администрации и руководства университета «Московский </a:t>
             </a:r>
             <a:r>
-              <a:rPr lang="ru-RU" sz="3600" dirty="0" err="1"/>
+              <a:rPr lang="ru-RU" dirty="0" err="1">
+                <a:latin typeface="Times New Roman" panose="02020603050405020304" pitchFamily="18" charset="0"/>
+                <a:cs typeface="Times New Roman" panose="02020603050405020304" pitchFamily="18" charset="0"/>
+              </a:rPr>
               <a:t>Политех</a:t>
             </a:r>
             <a:r>
-              <a:rPr lang="ru-RU" sz="3600" dirty="0"/>
+              <a:rPr lang="ru-RU" dirty="0">
+                <a:latin typeface="Times New Roman" panose="02020603050405020304" pitchFamily="18" charset="0"/>
+                <a:cs typeface="Times New Roman" panose="02020603050405020304" pitchFamily="18" charset="0"/>
+              </a:rPr>
               <a:t>».</a:t>
             </a:r>
           </a:p>
@@ -21457,7 +20902,7 @@
         </p:nvSpPr>
         <p:spPr>
           <a:xfrm>
-            <a:off x="467544" y="1745059"/>
+            <a:off x="457200" y="1388008"/>
             <a:ext cx="8229600" cy="4348200"/>
           </a:xfrm>
           <a:prstGeom prst="rect">
@@ -21879,7 +21324,15 @@
           <a:p>
             <a:r>
               <a:rPr lang="ru-RU" sz="2400" dirty="0"/>
-              <a:t>В связи со стремительным развитием технологий и их повсеместным внедрением электронный документооборот и архивные работы занимают наиболее высокую позицию по сравнению со своим бумажным аналогом.</a:t>
+              <a:t>В связи со стремительным развитием технологий и их повсеместным внедрением </a:t>
+            </a:r>
+            <a:r>
+              <a:rPr lang="ru-RU" sz="2400" dirty="0" smtClean="0"/>
+              <a:t>ЭДО и </a:t>
+            </a:r>
+            <a:r>
+              <a:rPr lang="ru-RU" sz="2400" dirty="0"/>
+              <a:t>архивные работы занимают наиболее высокую позицию по сравнению со своим бумажным аналогом.</a:t>
             </a:r>
           </a:p>
           <a:p>
@@ -22158,7 +21611,7 @@
           <a:p>
             <a:pPr marL="457200" lvl="0" indent="-457200" algn="l" rtl="0">
               <a:lnSpc>
-                <a:spcPct val="115000"/>
+                <a:spcPct val="150000"/>
               </a:lnSpc>
               <a:spcBef>
                 <a:spcPts val="0"/>
@@ -22171,7 +21624,7 @@
               <a:buChar char="•"/>
             </a:pPr>
             <a:r>
-              <a:rPr lang="ru-RU" sz="2400" b="1" dirty="0">
+              <a:rPr lang="ru-RU" sz="2400" dirty="0">
                 <a:latin typeface="Times New Roman"/>
                 <a:ea typeface="Times New Roman"/>
                 <a:cs typeface="Times New Roman"/>
@@ -22180,7 +21633,7 @@
               <a:t>Обучающиеся студенты на </a:t>
             </a:r>
             <a:r>
-              <a:rPr lang="ru-RU" sz="2400" b="1" dirty="0" smtClean="0">
+              <a:rPr lang="ru-RU" sz="2400" dirty="0" smtClean="0">
                 <a:latin typeface="Times New Roman"/>
                 <a:ea typeface="Times New Roman"/>
                 <a:cs typeface="Times New Roman"/>
@@ -22188,7 +21641,7 @@
               </a:rPr>
               <a:t>технических направлениях и автоматизации процессов.</a:t>
             </a:r>
-            <a:endParaRPr sz="2400" b="1" dirty="0">
+            <a:endParaRPr sz="2400" dirty="0">
               <a:latin typeface="Times New Roman"/>
               <a:ea typeface="Times New Roman"/>
               <a:cs typeface="Times New Roman"/>
@@ -22211,7 +21664,7 @@
               <a:buChar char="•"/>
             </a:pPr>
             <a:r>
-              <a:rPr lang="ru-RU" sz="2400" b="1" dirty="0">
+              <a:rPr lang="ru-RU" sz="2400" dirty="0">
                 <a:latin typeface="Times New Roman"/>
                 <a:ea typeface="Times New Roman"/>
                 <a:cs typeface="Times New Roman"/>
@@ -22220,7 +21673,7 @@
               <a:t>Стажеры в </a:t>
             </a:r>
             <a:r>
-              <a:rPr lang="ru-RU" sz="2400" b="1" dirty="0" smtClean="0">
+              <a:rPr lang="ru-RU" sz="2400" dirty="0" smtClean="0">
                 <a:latin typeface="Times New Roman"/>
                 <a:ea typeface="Times New Roman"/>
                 <a:cs typeface="Times New Roman"/>
@@ -22229,7 +21682,7 @@
               <a:t>любой </a:t>
             </a:r>
             <a:r>
-              <a:rPr lang="ru-RU" sz="2400" b="1" dirty="0">
+              <a:rPr lang="ru-RU" sz="2400" dirty="0">
                 <a:latin typeface="Times New Roman"/>
                 <a:ea typeface="Times New Roman"/>
                 <a:cs typeface="Times New Roman"/>
@@ -22237,7 +21690,7 @@
               </a:rPr>
               <a:t>организации.</a:t>
             </a:r>
-            <a:endParaRPr sz="2400" b="1" dirty="0">
+            <a:endParaRPr sz="2400" dirty="0">
               <a:latin typeface="Times New Roman"/>
               <a:ea typeface="Times New Roman"/>
               <a:cs typeface="Times New Roman"/>
@@ -22260,7 +21713,7 @@
               <a:buChar char="•"/>
             </a:pPr>
             <a:r>
-              <a:rPr lang="ru-RU" sz="2400" b="1" dirty="0">
+              <a:rPr lang="ru-RU" sz="2400" dirty="0">
                 <a:latin typeface="Times New Roman"/>
                 <a:ea typeface="Times New Roman"/>
                 <a:cs typeface="Times New Roman"/>
@@ -22269,7 +21722,7 @@
               <a:t>Работники </a:t>
             </a:r>
             <a:r>
-              <a:rPr lang="ru-RU" sz="2400" b="1" dirty="0" smtClean="0">
+              <a:rPr lang="ru-RU" sz="2400" dirty="0" smtClean="0">
                 <a:latin typeface="Times New Roman"/>
                 <a:ea typeface="Times New Roman"/>
                 <a:cs typeface="Times New Roman"/>
@@ -22277,7 +21730,7 @@
               </a:rPr>
               <a:t>университета.</a:t>
             </a:r>
-            <a:endParaRPr sz="2400" b="1" dirty="0">
+            <a:endParaRPr sz="2400" dirty="0">
               <a:latin typeface="Times New Roman"/>
               <a:ea typeface="Times New Roman"/>
               <a:cs typeface="Times New Roman"/>
@@ -22913,15 +22366,32 @@
           <a:lstStyle/>
           <a:p>
             <a:pPr marL="0" indent="0">
+              <a:lnSpc>
+                <a:spcPct val="150000"/>
+              </a:lnSpc>
               <a:spcBef>
                 <a:spcPts val="0"/>
               </a:spcBef>
               <a:buNone/>
             </a:pPr>
             <a:r>
-              <a:rPr lang="ru-RU" sz="2800" dirty="0"/>
-              <a:t>Электронный документооборот (ЭДО) – механизм по работе с документами в электронном виде, т.е. движение документов в организации с момента их создания (или получения) до завершения исполнения (или отправления), а также способ организации работы с документами, при котором основная масса документов организации (предприятия) используется в электронном виде и хранится централизованно;</a:t>
+              <a:rPr lang="ru-RU" sz="2400" dirty="0">
+                <a:latin typeface="Times New Roman" panose="02020603050405020304" pitchFamily="18" charset="0"/>
+                <a:cs typeface="Times New Roman" panose="02020603050405020304" pitchFamily="18" charset="0"/>
+              </a:rPr>
+              <a:t>Электронный документооборот (ЭДО) – механизм по работе с документами в электронном виде, т.е. движение документов в организации с момента их создания (или получения) до завершения исполнения (или отправления), а также способ организации работы с документами, при котором основная масса документов организации (предприятия) используется в электронном виде и хранится </a:t>
             </a:r>
+            <a:r>
+              <a:rPr lang="ru-RU" sz="2400" dirty="0" smtClean="0">
+                <a:latin typeface="Times New Roman" panose="02020603050405020304" pitchFamily="18" charset="0"/>
+                <a:cs typeface="Times New Roman" panose="02020603050405020304" pitchFamily="18" charset="0"/>
+              </a:rPr>
+              <a:t>централизованно.</a:t>
+            </a:r>
+            <a:endParaRPr lang="ru-RU" sz="2400" dirty="0">
+              <a:latin typeface="Times New Roman" panose="02020603050405020304" pitchFamily="18" charset="0"/>
+              <a:cs typeface="Times New Roman" panose="02020603050405020304" pitchFamily="18" charset="0"/>
+            </a:endParaRPr>
           </a:p>
           <a:p>
             <a:pPr marL="0" lvl="0" indent="0" algn="l" rtl="0">

--- a/ПД(171-341).pptx
+++ b/ПД(171-341).pptx
@@ -5,7 +5,7 @@
     <p:sldMasterId id="2147483659" r:id="rId1"/>
   </p:sldMasterIdLst>
   <p:notesMasterIdLst>
-    <p:notesMasterId r:id="rId24"/>
+    <p:notesMasterId r:id="rId26"/>
   </p:notesMasterIdLst>
   <p:sldIdLst>
     <p:sldId id="256" r:id="rId2"/>
@@ -20,16 +20,18 @@
     <p:sldId id="264" r:id="rId11"/>
     <p:sldId id="265" r:id="rId12"/>
     <p:sldId id="276" r:id="rId13"/>
-    <p:sldId id="289" r:id="rId14"/>
-    <p:sldId id="290" r:id="rId15"/>
-    <p:sldId id="291" r:id="rId16"/>
-    <p:sldId id="292" r:id="rId17"/>
-    <p:sldId id="293" r:id="rId18"/>
-    <p:sldId id="294" r:id="rId19"/>
-    <p:sldId id="295" r:id="rId20"/>
-    <p:sldId id="296" r:id="rId21"/>
-    <p:sldId id="297" r:id="rId22"/>
-    <p:sldId id="287" r:id="rId23"/>
+    <p:sldId id="298" r:id="rId14"/>
+    <p:sldId id="299" r:id="rId15"/>
+    <p:sldId id="289" r:id="rId16"/>
+    <p:sldId id="290" r:id="rId17"/>
+    <p:sldId id="291" r:id="rId18"/>
+    <p:sldId id="292" r:id="rId19"/>
+    <p:sldId id="293" r:id="rId20"/>
+    <p:sldId id="294" r:id="rId21"/>
+    <p:sldId id="295" r:id="rId22"/>
+    <p:sldId id="296" r:id="rId23"/>
+    <p:sldId id="297" r:id="rId24"/>
+    <p:sldId id="287" r:id="rId25"/>
   </p:sldIdLst>
   <p:sldSz cx="9144000" cy="6858000" type="screen4x3"/>
   <p:notesSz cx="6797675" cy="9926638"/>
@@ -2314,7 +2316,7 @@
     </p:spTree>
     <p:extLst>
       <p:ext uri="{BB962C8B-B14F-4D97-AF65-F5344CB8AC3E}">
-        <p14:creationId xmlns:p14="http://schemas.microsoft.com/office/powerpoint/2010/main" val="412892973"/>
+        <p14:creationId xmlns:p14="http://schemas.microsoft.com/office/powerpoint/2010/main" val="2257480091"/>
       </p:ext>
     </p:extLst>
   </p:cSld>
@@ -2483,7 +2485,7 @@
     </p:spTree>
     <p:extLst>
       <p:ext uri="{BB962C8B-B14F-4D97-AF65-F5344CB8AC3E}">
-        <p14:creationId xmlns:p14="http://schemas.microsoft.com/office/powerpoint/2010/main" val="2963176765"/>
+        <p14:creationId xmlns:p14="http://schemas.microsoft.com/office/powerpoint/2010/main" val="402936220"/>
       </p:ext>
     </p:extLst>
   </p:cSld>
@@ -2652,7 +2654,7 @@
     </p:spTree>
     <p:extLst>
       <p:ext uri="{BB962C8B-B14F-4D97-AF65-F5344CB8AC3E}">
-        <p14:creationId xmlns:p14="http://schemas.microsoft.com/office/powerpoint/2010/main" val="987979334"/>
+        <p14:creationId xmlns:p14="http://schemas.microsoft.com/office/powerpoint/2010/main" val="412892973"/>
       </p:ext>
     </p:extLst>
   </p:cSld>
@@ -2821,7 +2823,7 @@
     </p:spTree>
     <p:extLst>
       <p:ext uri="{BB962C8B-B14F-4D97-AF65-F5344CB8AC3E}">
-        <p14:creationId xmlns:p14="http://schemas.microsoft.com/office/powerpoint/2010/main" val="649221225"/>
+        <p14:creationId xmlns:p14="http://schemas.microsoft.com/office/powerpoint/2010/main" val="2963176765"/>
       </p:ext>
     </p:extLst>
   </p:cSld>
@@ -2990,7 +2992,7 @@
     </p:spTree>
     <p:extLst>
       <p:ext uri="{BB962C8B-B14F-4D97-AF65-F5344CB8AC3E}">
-        <p14:creationId xmlns:p14="http://schemas.microsoft.com/office/powerpoint/2010/main" val="2167752403"/>
+        <p14:creationId xmlns:p14="http://schemas.microsoft.com/office/powerpoint/2010/main" val="987979334"/>
       </p:ext>
     </p:extLst>
   </p:cSld>
@@ -3159,7 +3161,7 @@
     </p:spTree>
     <p:extLst>
       <p:ext uri="{BB962C8B-B14F-4D97-AF65-F5344CB8AC3E}">
-        <p14:creationId xmlns:p14="http://schemas.microsoft.com/office/powerpoint/2010/main" val="2637623489"/>
+        <p14:creationId xmlns:p14="http://schemas.microsoft.com/office/powerpoint/2010/main" val="649221225"/>
       </p:ext>
     </p:extLst>
   </p:cSld>
@@ -3328,7 +3330,7 @@
     </p:spTree>
     <p:extLst>
       <p:ext uri="{BB962C8B-B14F-4D97-AF65-F5344CB8AC3E}">
-        <p14:creationId xmlns:p14="http://schemas.microsoft.com/office/powerpoint/2010/main" val="2732064377"/>
+        <p14:creationId xmlns:p14="http://schemas.microsoft.com/office/powerpoint/2010/main" val="2167752403"/>
       </p:ext>
     </p:extLst>
   </p:cSld>
@@ -3666,7 +3668,7 @@
     </p:spTree>
     <p:extLst>
       <p:ext uri="{BB962C8B-B14F-4D97-AF65-F5344CB8AC3E}">
-        <p14:creationId xmlns:p14="http://schemas.microsoft.com/office/powerpoint/2010/main" val="1796009965"/>
+        <p14:creationId xmlns:p14="http://schemas.microsoft.com/office/powerpoint/2010/main" val="2637623489"/>
       </p:ext>
     </p:extLst>
   </p:cSld>
@@ -3835,6 +3837,344 @@
     </p:spTree>
     <p:extLst>
       <p:ext uri="{BB962C8B-B14F-4D97-AF65-F5344CB8AC3E}">
+        <p14:creationId xmlns:p14="http://schemas.microsoft.com/office/powerpoint/2010/main" val="2732064377"/>
+      </p:ext>
+    </p:extLst>
+  </p:cSld>
+  <p:clrMapOvr>
+    <a:masterClrMapping/>
+  </p:clrMapOvr>
+</p:notes>
+</file>
+
+<file path=ppt/notesSlides/notesSlide22.xml><?xml version="1.0" encoding="utf-8"?>
+<p:notes xmlns:a="http://schemas.openxmlformats.org/drawingml/2006/main" xmlns:r="http://schemas.openxmlformats.org/officeDocument/2006/relationships" xmlns:p="http://schemas.openxmlformats.org/presentationml/2006/main" showMasterSp="0" showMasterPhAnim="0">
+  <p:cSld>
+    <p:spTree>
+      <p:nvGrpSpPr>
+        <p:cNvPr id="1" name="Shape 306"/>
+        <p:cNvGrpSpPr/>
+        <p:nvPr/>
+      </p:nvGrpSpPr>
+      <p:grpSpPr>
+        <a:xfrm>
+          <a:off x="0" y="0"/>
+          <a:ext cx="0" cy="0"/>
+          <a:chOff x="0" y="0"/>
+          <a:chExt cx="0" cy="0"/>
+        </a:xfrm>
+      </p:grpSpPr>
+      <p:sp>
+        <p:nvSpPr>
+          <p:cNvPr id="307" name="Google Shape;307;p5:notes"/>
+          <p:cNvSpPr>
+            <a:spLocks noGrp="1" noRot="1" noChangeAspect="1"/>
+          </p:cNvSpPr>
+          <p:nvPr>
+            <p:ph type="sldImg" idx="2"/>
+          </p:nvPr>
+        </p:nvSpPr>
+        <p:spPr>
+          <a:xfrm>
+            <a:off x="917575" y="744538"/>
+            <a:ext cx="4962525" cy="3722687"/>
+          </a:xfrm>
+          <a:custGeom>
+            <a:avLst/>
+            <a:gdLst/>
+            <a:ahLst/>
+            <a:cxnLst/>
+            <a:rect l="l" t="t" r="r" b="b"/>
+            <a:pathLst>
+              <a:path w="120000" h="120000" extrusionOk="0">
+                <a:moveTo>
+                  <a:pt x="0" y="0"/>
+                </a:moveTo>
+                <a:lnTo>
+                  <a:pt x="120000" y="0"/>
+                </a:lnTo>
+                <a:lnTo>
+                  <a:pt x="120000" y="120000"/>
+                </a:lnTo>
+                <a:lnTo>
+                  <a:pt x="0" y="120000"/>
+                </a:lnTo>
+                <a:close/>
+              </a:path>
+            </a:pathLst>
+          </a:custGeom>
+          <a:noFill/>
+          <a:ln w="12700" cap="flat" cmpd="sng">
+            <a:solidFill>
+              <a:srgbClr val="000000"/>
+            </a:solidFill>
+            <a:prstDash val="solid"/>
+            <a:round/>
+            <a:headEnd type="none" w="sm" len="sm"/>
+            <a:tailEnd type="none" w="sm" len="sm"/>
+          </a:ln>
+        </p:spPr>
+      </p:sp>
+      <p:sp>
+        <p:nvSpPr>
+          <p:cNvPr id="308" name="Google Shape;308;p5:notes"/>
+          <p:cNvSpPr txBox="1">
+            <a:spLocks noGrp="1"/>
+          </p:cNvSpPr>
+          <p:nvPr>
+            <p:ph type="body" idx="1"/>
+          </p:nvPr>
+        </p:nvSpPr>
+        <p:spPr>
+          <a:xfrm>
+            <a:off x="679768" y="4715153"/>
+            <a:ext cx="5438140" cy="4466987"/>
+          </a:xfrm>
+          <a:prstGeom prst="rect">
+            <a:avLst/>
+          </a:prstGeom>
+          <a:noFill/>
+          <a:ln>
+            <a:noFill/>
+          </a:ln>
+        </p:spPr>
+        <p:txBody>
+          <a:bodyPr spcFirstLastPara="1" wrap="square" lIns="91425" tIns="45700" rIns="91425" bIns="45700" anchor="t" anchorCtr="0">
+            <a:noAutofit/>
+          </a:bodyPr>
+          <a:lstStyle/>
+          <a:p>
+            <a:pPr marL="0" lvl="0" indent="0" algn="l" rtl="0">
+              <a:spcBef>
+                <a:spcPts val="0"/>
+              </a:spcBef>
+              <a:spcAft>
+                <a:spcPts val="0"/>
+              </a:spcAft>
+              <a:buNone/>
+            </a:pPr>
+            <a:endParaRPr/>
+          </a:p>
+        </p:txBody>
+      </p:sp>
+      <p:sp>
+        <p:nvSpPr>
+          <p:cNvPr id="309" name="Google Shape;309;p5:notes"/>
+          <p:cNvSpPr txBox="1">
+            <a:spLocks noGrp="1"/>
+          </p:cNvSpPr>
+          <p:nvPr>
+            <p:ph type="sldNum" idx="12"/>
+          </p:nvPr>
+        </p:nvSpPr>
+        <p:spPr>
+          <a:xfrm>
+            <a:off x="3850443" y="9428583"/>
+            <a:ext cx="2945659" cy="496332"/>
+          </a:xfrm>
+          <a:prstGeom prst="rect">
+            <a:avLst/>
+          </a:prstGeom>
+          <a:noFill/>
+          <a:ln>
+            <a:noFill/>
+          </a:ln>
+        </p:spPr>
+        <p:txBody>
+          <a:bodyPr spcFirstLastPara="1" wrap="square" lIns="91425" tIns="45700" rIns="91425" bIns="45700" anchor="b" anchorCtr="0">
+            <a:noAutofit/>
+          </a:bodyPr>
+          <a:lstStyle/>
+          <a:p>
+            <a:pPr marL="0" lvl="0" indent="0" algn="r" rtl="0">
+              <a:spcBef>
+                <a:spcPts val="0"/>
+              </a:spcBef>
+              <a:spcAft>
+                <a:spcPts val="0"/>
+              </a:spcAft>
+              <a:buNone/>
+            </a:pPr>
+            <a:fld id="{00000000-1234-1234-1234-123412341234}" type="slidenum">
+              <a:rPr lang="ru-RU"/>
+              <a:t>22</a:t>
+            </a:fld>
+            <a:endParaRPr/>
+          </a:p>
+        </p:txBody>
+      </p:sp>
+    </p:spTree>
+    <p:extLst>
+      <p:ext uri="{BB962C8B-B14F-4D97-AF65-F5344CB8AC3E}">
+        <p14:creationId xmlns:p14="http://schemas.microsoft.com/office/powerpoint/2010/main" val="1796009965"/>
+      </p:ext>
+    </p:extLst>
+  </p:cSld>
+  <p:clrMapOvr>
+    <a:masterClrMapping/>
+  </p:clrMapOvr>
+</p:notes>
+</file>
+
+<file path=ppt/notesSlides/notesSlide23.xml><?xml version="1.0" encoding="utf-8"?>
+<p:notes xmlns:a="http://schemas.openxmlformats.org/drawingml/2006/main" xmlns:r="http://schemas.openxmlformats.org/officeDocument/2006/relationships" xmlns:p="http://schemas.openxmlformats.org/presentationml/2006/main" showMasterSp="0" showMasterPhAnim="0">
+  <p:cSld>
+    <p:spTree>
+      <p:nvGrpSpPr>
+        <p:cNvPr id="1" name="Shape 306"/>
+        <p:cNvGrpSpPr/>
+        <p:nvPr/>
+      </p:nvGrpSpPr>
+      <p:grpSpPr>
+        <a:xfrm>
+          <a:off x="0" y="0"/>
+          <a:ext cx="0" cy="0"/>
+          <a:chOff x="0" y="0"/>
+          <a:chExt cx="0" cy="0"/>
+        </a:xfrm>
+      </p:grpSpPr>
+      <p:sp>
+        <p:nvSpPr>
+          <p:cNvPr id="307" name="Google Shape;307;p5:notes"/>
+          <p:cNvSpPr>
+            <a:spLocks noGrp="1" noRot="1" noChangeAspect="1"/>
+          </p:cNvSpPr>
+          <p:nvPr>
+            <p:ph type="sldImg" idx="2"/>
+          </p:nvPr>
+        </p:nvSpPr>
+        <p:spPr>
+          <a:xfrm>
+            <a:off x="917575" y="744538"/>
+            <a:ext cx="4962525" cy="3722687"/>
+          </a:xfrm>
+          <a:custGeom>
+            <a:avLst/>
+            <a:gdLst/>
+            <a:ahLst/>
+            <a:cxnLst/>
+            <a:rect l="l" t="t" r="r" b="b"/>
+            <a:pathLst>
+              <a:path w="120000" h="120000" extrusionOk="0">
+                <a:moveTo>
+                  <a:pt x="0" y="0"/>
+                </a:moveTo>
+                <a:lnTo>
+                  <a:pt x="120000" y="0"/>
+                </a:lnTo>
+                <a:lnTo>
+                  <a:pt x="120000" y="120000"/>
+                </a:lnTo>
+                <a:lnTo>
+                  <a:pt x="0" y="120000"/>
+                </a:lnTo>
+                <a:close/>
+              </a:path>
+            </a:pathLst>
+          </a:custGeom>
+          <a:noFill/>
+          <a:ln w="12700" cap="flat" cmpd="sng">
+            <a:solidFill>
+              <a:srgbClr val="000000"/>
+            </a:solidFill>
+            <a:prstDash val="solid"/>
+            <a:round/>
+            <a:headEnd type="none" w="sm" len="sm"/>
+            <a:tailEnd type="none" w="sm" len="sm"/>
+          </a:ln>
+        </p:spPr>
+      </p:sp>
+      <p:sp>
+        <p:nvSpPr>
+          <p:cNvPr id="308" name="Google Shape;308;p5:notes"/>
+          <p:cNvSpPr txBox="1">
+            <a:spLocks noGrp="1"/>
+          </p:cNvSpPr>
+          <p:nvPr>
+            <p:ph type="body" idx="1"/>
+          </p:nvPr>
+        </p:nvSpPr>
+        <p:spPr>
+          <a:xfrm>
+            <a:off x="679768" y="4715153"/>
+            <a:ext cx="5438140" cy="4466987"/>
+          </a:xfrm>
+          <a:prstGeom prst="rect">
+            <a:avLst/>
+          </a:prstGeom>
+          <a:noFill/>
+          <a:ln>
+            <a:noFill/>
+          </a:ln>
+        </p:spPr>
+        <p:txBody>
+          <a:bodyPr spcFirstLastPara="1" wrap="square" lIns="91425" tIns="45700" rIns="91425" bIns="45700" anchor="t" anchorCtr="0">
+            <a:noAutofit/>
+          </a:bodyPr>
+          <a:lstStyle/>
+          <a:p>
+            <a:pPr marL="0" lvl="0" indent="0" algn="l" rtl="0">
+              <a:spcBef>
+                <a:spcPts val="0"/>
+              </a:spcBef>
+              <a:spcAft>
+                <a:spcPts val="0"/>
+              </a:spcAft>
+              <a:buNone/>
+            </a:pPr>
+            <a:endParaRPr/>
+          </a:p>
+        </p:txBody>
+      </p:sp>
+      <p:sp>
+        <p:nvSpPr>
+          <p:cNvPr id="309" name="Google Shape;309;p5:notes"/>
+          <p:cNvSpPr txBox="1">
+            <a:spLocks noGrp="1"/>
+          </p:cNvSpPr>
+          <p:nvPr>
+            <p:ph type="sldNum" idx="12"/>
+          </p:nvPr>
+        </p:nvSpPr>
+        <p:spPr>
+          <a:xfrm>
+            <a:off x="3850443" y="9428583"/>
+            <a:ext cx="2945659" cy="496332"/>
+          </a:xfrm>
+          <a:prstGeom prst="rect">
+            <a:avLst/>
+          </a:prstGeom>
+          <a:noFill/>
+          <a:ln>
+            <a:noFill/>
+          </a:ln>
+        </p:spPr>
+        <p:txBody>
+          <a:bodyPr spcFirstLastPara="1" wrap="square" lIns="91425" tIns="45700" rIns="91425" bIns="45700" anchor="b" anchorCtr="0">
+            <a:noAutofit/>
+          </a:bodyPr>
+          <a:lstStyle/>
+          <a:p>
+            <a:pPr marL="0" lvl="0" indent="0" algn="r" rtl="0">
+              <a:spcBef>
+                <a:spcPts val="0"/>
+              </a:spcBef>
+              <a:spcAft>
+                <a:spcPts val="0"/>
+              </a:spcAft>
+              <a:buNone/>
+            </a:pPr>
+            <a:fld id="{00000000-1234-1234-1234-123412341234}" type="slidenum">
+              <a:rPr lang="ru-RU"/>
+              <a:t>23</a:t>
+            </a:fld>
+            <a:endParaRPr/>
+          </a:p>
+        </p:txBody>
+      </p:sp>
+    </p:spTree>
+    <p:extLst>
+      <p:ext uri="{BB962C8B-B14F-4D97-AF65-F5344CB8AC3E}">
         <p14:creationId xmlns:p14="http://schemas.microsoft.com/office/powerpoint/2010/main" val="1236751990"/>
       </p:ext>
     </p:extLst>
@@ -3845,7 +4185,7 @@
 </p:notes>
 </file>
 
-<file path=ppt/notesSlides/notesSlide22.xml><?xml version="1.0" encoding="utf-8"?>
+<file path=ppt/notesSlides/notesSlide24.xml><?xml version="1.0" encoding="utf-8"?>
 <p:notes xmlns:a="http://schemas.openxmlformats.org/drawingml/2006/main" xmlns:r="http://schemas.openxmlformats.org/officeDocument/2006/relationships" xmlns:p="http://schemas.openxmlformats.org/presentationml/2006/main" showMasterSp="0" showMasterPhAnim="0">
   <p:cSld>
     <p:spTree>
@@ -3995,7 +4335,7 @@
             </a:pPr>
             <a:fld id="{00000000-1234-1234-1234-123412341234}" type="slidenum">
               <a:rPr lang="ru-RU"/>
-              <a:t>22</a:t>
+              <a:t>24</a:t>
             </a:fld>
             <a:endParaRPr/>
           </a:p>
@@ -16349,35 +16689,13 @@
             </a:r>
             <a:r>
               <a:rPr lang="ru-RU" sz="2400" dirty="0"/>
-              <a:t>системы электронного документооборота включают в себя:</a:t>
+              <a:t>системы электронного документооборота включают в себя</a:t>
             </a:r>
-          </a:p>
-          <a:p>
-            <a:pPr>
-              <a:lnSpc>
-                <a:spcPct val="150000"/>
-              </a:lnSpc>
-            </a:pPr>
             <a:r>
-              <a:rPr lang="ru-RU" sz="2400" i="1" dirty="0"/>
-              <a:t>Этап 1. Определение базовых процессов и процедур.</a:t>
+              <a:rPr lang="ru-RU" sz="2400" dirty="0" smtClean="0"/>
+              <a:t>:</a:t>
             </a:r>
             <a:endParaRPr lang="ru-RU" sz="2400" dirty="0"/>
-          </a:p>
-          <a:p>
-            <a:pPr>
-              <a:lnSpc>
-                <a:spcPct val="150000"/>
-              </a:lnSpc>
-            </a:pPr>
-            <a:r>
-              <a:rPr lang="ru-RU" sz="2400" u="sng" dirty="0"/>
-              <a:t>Цель</a:t>
-            </a:r>
-            <a:r>
-              <a:rPr lang="ru-RU" sz="2400" dirty="0"/>
-              <a:t> данного этапа заключается в четком определении состава существующих процессов документооборота и процедур обработки документации. Для этого необходимо провести детальный анализ существующих процессов и процедур.</a:t>
-            </a:r>
           </a:p>
         </p:txBody>
       </p:sp>
@@ -16482,6 +16800,28 @@
           </a:p>
         </p:txBody>
       </p:sp>
+      <p:pic>
+        <p:nvPicPr>
+          <p:cNvPr id="8" name="Рисунок 7"/>
+          <p:cNvPicPr/>
+          <p:nvPr/>
+        </p:nvPicPr>
+        <p:blipFill>
+          <a:blip r:embed="rId3"/>
+          <a:stretch>
+            <a:fillRect/>
+          </a:stretch>
+        </p:blipFill>
+        <p:spPr>
+          <a:xfrm>
+            <a:off x="400685" y="2562288"/>
+            <a:ext cx="7780147" cy="3399600"/>
+          </a:xfrm>
+          <a:prstGeom prst="rect">
+            <a:avLst/>
+          </a:prstGeom>
+        </p:spPr>
+      </p:pic>
     </p:spTree>
   </p:cSld>
   <p:clrMapOvr>
@@ -16542,22 +16882,14 @@
               </a:buClr>
             </a:pPr>
             <a:r>
-              <a:rPr lang="ru-RU" sz="1800" b="1" dirty="0" smtClean="0">
+              <a:rPr lang="ru-RU" sz="1800" b="1" i="1" dirty="0" smtClean="0">
                 <a:solidFill>
                   <a:srgbClr val="FF0000"/>
                 </a:solidFill>
               </a:rPr>
-              <a:t>Процесс </a:t>
+              <a:t>Этап 1. Определение базовых процедур</a:t>
             </a:r>
-            <a:r>
-              <a:rPr lang="ru-RU" sz="1800" b="1" dirty="0">
-                <a:solidFill>
-                  <a:srgbClr val="FF0000"/>
-                </a:solidFill>
-              </a:rPr>
-              <a:t>внедрения СЭД </a:t>
-            </a:r>
-            <a:endParaRPr sz="1800" b="1" dirty="0">
+            <a:endParaRPr sz="1800" b="1" i="1" dirty="0">
               <a:solidFill>
                 <a:srgbClr val="FF0000"/>
               </a:solidFill>
@@ -16629,8 +16961,8 @@
         </p:nvSpPr>
         <p:spPr>
           <a:xfrm>
-            <a:off x="0" y="1343179"/>
-            <a:ext cx="8400582" cy="4610485"/>
+            <a:off x="98853" y="1219612"/>
+            <a:ext cx="8905809" cy="4610485"/>
           </a:xfrm>
           <a:prstGeom prst="rect">
             <a:avLst/>
@@ -16652,30 +16984,86 @@
               </a:lnSpc>
             </a:pPr>
             <a:r>
-              <a:rPr lang="ru-RU" sz="2800" i="1" dirty="0">
+              <a:rPr lang="ru-RU" dirty="0">
                 <a:latin typeface="Times New Roman" panose="02020603050405020304" pitchFamily="18" charset="0"/>
                 <a:cs typeface="Times New Roman" panose="02020603050405020304" pitchFamily="18" charset="0"/>
               </a:rPr>
-              <a:t>Этап 2. Определение требований к процессам документооборота.</a:t>
+              <a:t>В ходе этого этапа необходимо:</a:t>
             </a:r>
-            <a:endParaRPr lang="ru-RU" sz="2800" dirty="0">
-              <a:latin typeface="Times New Roman" panose="02020603050405020304" pitchFamily="18" charset="0"/>
-              <a:cs typeface="Times New Roman" panose="02020603050405020304" pitchFamily="18" charset="0"/>
-            </a:endParaRPr>
-          </a:p>
-          <a:p>
-            <a:pPr>
+          </a:p>
+          <a:p>
+            <a:pPr lvl="1">
               <a:lnSpc>
                 <a:spcPct val="150000"/>
               </a:lnSpc>
             </a:pPr>
             <a:r>
-              <a:rPr lang="ru-RU" sz="2800" dirty="0">
+              <a:rPr lang="ru-RU" dirty="0">
                 <a:latin typeface="Times New Roman" panose="02020603050405020304" pitchFamily="18" charset="0"/>
                 <a:cs typeface="Times New Roman" panose="02020603050405020304" pitchFamily="18" charset="0"/>
               </a:rPr>
-              <a:t>На данном этапе определяется, какие изменения необходимо внести в процессы документооборота, чтобы они работали эффективно и могли быть автоматизированы.</a:t>
+              <a:t>определить процессы верхнего уровня</a:t>
             </a:r>
+            <a:r>
+              <a:rPr lang="ru-RU" dirty="0" smtClean="0">
+                <a:latin typeface="Times New Roman" panose="02020603050405020304" pitchFamily="18" charset="0"/>
+                <a:cs typeface="Times New Roman" panose="02020603050405020304" pitchFamily="18" charset="0"/>
+              </a:rPr>
+              <a:t>;</a:t>
+            </a:r>
+          </a:p>
+          <a:p>
+            <a:pPr lvl="1">
+              <a:lnSpc>
+                <a:spcPct val="150000"/>
+              </a:lnSpc>
+            </a:pPr>
+            <a:r>
+              <a:rPr lang="ru-RU" dirty="0">
+                <a:latin typeface="Times New Roman" panose="02020603050405020304" pitchFamily="18" charset="0"/>
+                <a:cs typeface="Times New Roman" panose="02020603050405020304" pitchFamily="18" charset="0"/>
+              </a:rPr>
+              <a:t>определить детальный состав процессов;</a:t>
+            </a:r>
+          </a:p>
+          <a:p>
+            <a:pPr lvl="1">
+              <a:lnSpc>
+                <a:spcPct val="150000"/>
+              </a:lnSpc>
+            </a:pPr>
+            <a:r>
+              <a:rPr lang="ru-RU" dirty="0">
+                <a:latin typeface="Times New Roman" panose="02020603050405020304" pitchFamily="18" charset="0"/>
+                <a:cs typeface="Times New Roman" panose="02020603050405020304" pitchFamily="18" charset="0"/>
+              </a:rPr>
+              <a:t>определить цели для процессов документооборота;</a:t>
+            </a:r>
+          </a:p>
+          <a:p>
+            <a:pPr lvl="1">
+              <a:lnSpc>
+                <a:spcPct val="150000"/>
+              </a:lnSpc>
+            </a:pPr>
+            <a:r>
+              <a:rPr lang="ru-RU" dirty="0">
+                <a:latin typeface="Times New Roman" panose="02020603050405020304" pitchFamily="18" charset="0"/>
+                <a:cs typeface="Times New Roman" panose="02020603050405020304" pitchFamily="18" charset="0"/>
+              </a:rPr>
+              <a:t>определить технические цели для процессов документооборота.</a:t>
+            </a:r>
+          </a:p>
+          <a:p>
+            <a:pPr lvl="0">
+              <a:lnSpc>
+                <a:spcPct val="150000"/>
+              </a:lnSpc>
+            </a:pPr>
+            <a:endParaRPr lang="ru-RU" dirty="0">
+              <a:latin typeface="Times New Roman" panose="02020603050405020304" pitchFamily="18" charset="0"/>
+              <a:cs typeface="Times New Roman" panose="02020603050405020304" pitchFamily="18" charset="0"/>
+            </a:endParaRPr>
           </a:p>
         </p:txBody>
       </p:sp>
@@ -16783,7 +17171,7 @@
     </p:spTree>
     <p:extLst>
       <p:ext uri="{BB962C8B-B14F-4D97-AF65-F5344CB8AC3E}">
-        <p14:creationId xmlns:p14="http://schemas.microsoft.com/office/powerpoint/2010/main" val="2359527109"/>
+        <p14:creationId xmlns:p14="http://schemas.microsoft.com/office/powerpoint/2010/main" val="3286575301"/>
       </p:ext>
     </p:extLst>
   </p:cSld>
@@ -16822,8 +17210,8 @@
         </p:nvSpPr>
         <p:spPr>
           <a:xfrm>
-            <a:off x="971600" y="980728"/>
-            <a:ext cx="7725544" cy="504056"/>
+            <a:off x="792480" y="980728"/>
+            <a:ext cx="8205216" cy="504056"/>
           </a:xfrm>
           <a:prstGeom prst="rect">
             <a:avLst/>
@@ -16845,20 +17233,36 @@
               </a:buClr>
             </a:pPr>
             <a:r>
-              <a:rPr lang="ru-RU" sz="1800" b="1" dirty="0" smtClean="0">
+              <a:rPr lang="ru-RU" sz="1800" b="1" i="1" dirty="0">
                 <a:solidFill>
                   <a:srgbClr val="FF0000"/>
                 </a:solidFill>
               </a:rPr>
-              <a:t>Процесс </a:t>
+              <a:t>Этап </a:t>
             </a:r>
             <a:r>
-              <a:rPr lang="ru-RU" sz="1800" b="1" dirty="0">
+              <a:rPr lang="ru-RU" sz="1800" b="1" i="1" dirty="0" smtClean="0">
                 <a:solidFill>
                   <a:srgbClr val="FF0000"/>
                 </a:solidFill>
               </a:rPr>
-              <a:t>внедрения СЭД </a:t>
+              <a:t>2. </a:t>
+            </a:r>
+            <a:r>
+              <a:rPr lang="ru-RU" sz="1800" b="1" i="1" dirty="0">
+                <a:solidFill>
+                  <a:srgbClr val="FF0000"/>
+                </a:solidFill>
+              </a:rPr>
+              <a:t>Определение </a:t>
+            </a:r>
+            <a:r>
+              <a:rPr lang="ru-RU" sz="1800" b="1" i="1" dirty="0" smtClean="0">
+                <a:solidFill>
+                  <a:srgbClr val="FF0000"/>
+                </a:solidFill>
+              </a:rPr>
+              <a:t>требований к процессам документооборота</a:t>
             </a:r>
             <a:endParaRPr sz="1800" b="1" dirty="0">
               <a:solidFill>
@@ -16933,7 +17337,7 @@
         <p:spPr>
           <a:xfrm>
             <a:off x="0" y="1343179"/>
-            <a:ext cx="8400582" cy="4610485"/>
+            <a:ext cx="9144000" cy="4610485"/>
           </a:xfrm>
           <a:prstGeom prst="rect">
             <a:avLst/>
@@ -16955,37 +17359,97 @@
               </a:lnSpc>
             </a:pPr>
             <a:r>
-              <a:rPr lang="ru-RU" sz="2400" i="1" dirty="0">
+              <a:rPr lang="ru-RU" sz="2800" dirty="0">
                 <a:latin typeface="Times New Roman" panose="02020603050405020304" pitchFamily="18" charset="0"/>
                 <a:cs typeface="Times New Roman" panose="02020603050405020304" pitchFamily="18" charset="0"/>
               </a:rPr>
-              <a:t>Этап 3. Формирование критериев выбора системы электронного документооборота</a:t>
+              <a:t>На данном этапе необходимо:</a:t>
+            </a:r>
+            <a:endParaRPr lang="ru-RU" sz="2400" dirty="0">
+              <a:latin typeface="Times New Roman" panose="02020603050405020304" pitchFamily="18" charset="0"/>
+              <a:cs typeface="Times New Roman" panose="02020603050405020304" pitchFamily="18" charset="0"/>
+            </a:endParaRPr>
+          </a:p>
+          <a:p>
+            <a:pPr lvl="1">
+              <a:lnSpc>
+                <a:spcPct val="150000"/>
+              </a:lnSpc>
+            </a:pPr>
+            <a:r>
+              <a:rPr lang="ru-RU" sz="2000" dirty="0">
+                <a:latin typeface="Times New Roman" panose="02020603050405020304" pitchFamily="18" charset="0"/>
+                <a:cs typeface="Times New Roman" panose="02020603050405020304" pitchFamily="18" charset="0"/>
+              </a:rPr>
+              <a:t>провести технологическую оценку процессов документооборота;</a:t>
+            </a:r>
+          </a:p>
+          <a:p>
+            <a:pPr lvl="1">
+              <a:lnSpc>
+                <a:spcPct val="150000"/>
+              </a:lnSpc>
+            </a:pPr>
+            <a:r>
+              <a:rPr lang="ru-RU" sz="2000" dirty="0">
+                <a:latin typeface="Times New Roman" panose="02020603050405020304" pitchFamily="18" charset="0"/>
+                <a:cs typeface="Times New Roman" panose="02020603050405020304" pitchFamily="18" charset="0"/>
+              </a:rPr>
+              <a:t>определить требования к процессам;</a:t>
+            </a:r>
+          </a:p>
+          <a:p>
+            <a:pPr lvl="1">
+              <a:lnSpc>
+                <a:spcPct val="150000"/>
+              </a:lnSpc>
+            </a:pPr>
+            <a:r>
+              <a:rPr lang="ru-RU" sz="2000" dirty="0">
+                <a:latin typeface="Times New Roman" panose="02020603050405020304" pitchFamily="18" charset="0"/>
+                <a:cs typeface="Times New Roman" panose="02020603050405020304" pitchFamily="18" charset="0"/>
+              </a:rPr>
+              <a:t>подготовить представление технологии процесса «как должно быть»;</a:t>
+            </a:r>
+          </a:p>
+          <a:p>
+            <a:pPr lvl="1">
+              <a:lnSpc>
+                <a:spcPct val="150000"/>
+              </a:lnSpc>
+            </a:pPr>
+            <a:r>
+              <a:rPr lang="ru-RU" sz="2000" dirty="0">
+                <a:latin typeface="Times New Roman" panose="02020603050405020304" pitchFamily="18" charset="0"/>
+                <a:cs typeface="Times New Roman" panose="02020603050405020304" pitchFamily="18" charset="0"/>
+              </a:rPr>
+              <a:t>установить измеряемые характеристики процессов;</a:t>
+            </a:r>
+          </a:p>
+          <a:p>
+            <a:pPr lvl="1">
+              <a:lnSpc>
+                <a:spcPct val="150000"/>
+              </a:lnSpc>
+            </a:pPr>
+            <a:r>
+              <a:rPr lang="ru-RU" sz="2000" dirty="0">
+                <a:latin typeface="Times New Roman" panose="02020603050405020304" pitchFamily="18" charset="0"/>
+                <a:cs typeface="Times New Roman" panose="02020603050405020304" pitchFamily="18" charset="0"/>
+              </a:rPr>
+              <a:t>сформулировать технические требования к процессам документооборота и подготовить техническое задание</a:t>
             </a:r>
             <a:r>
-              <a:rPr lang="ru-RU" sz="2400" dirty="0">
+              <a:rPr lang="ru-RU" sz="2000" dirty="0" smtClean="0">
                 <a:latin typeface="Times New Roman" panose="02020603050405020304" pitchFamily="18" charset="0"/>
                 <a:cs typeface="Times New Roman" panose="02020603050405020304" pitchFamily="18" charset="0"/>
               </a:rPr>
               <a:t>.</a:t>
             </a:r>
-          </a:p>
-          <a:p>
-            <a:pPr>
-              <a:lnSpc>
-                <a:spcPct val="150000"/>
-              </a:lnSpc>
-            </a:pPr>
-            <a:r>
-              <a:rPr lang="ru-RU" sz="2400" dirty="0">
-                <a:latin typeface="Times New Roman" panose="02020603050405020304" pitchFamily="18" charset="0"/>
-                <a:cs typeface="Times New Roman" panose="02020603050405020304" pitchFamily="18" charset="0"/>
-              </a:rPr>
-              <a:t>На основании данных первого и второго этапов необходимо сформулировать набор критериев для выбора СЭД. Критерии выбора СЭД будут во многом определять объем дальнейших работ и порядок организации взаимодействия с поставщиком системы</a:t>
-            </a:r>
-            <a:r>
-              <a:rPr lang="ru-RU" sz="2800" dirty="0"/>
-              <a:t>.</a:t>
-            </a:r>
+            <a:endParaRPr lang="ru-RU" sz="2000" dirty="0">
+              <a:latin typeface="Times New Roman" panose="02020603050405020304" pitchFamily="18" charset="0"/>
+              <a:cs typeface="Times New Roman" panose="02020603050405020304" pitchFamily="18" charset="0"/>
+            </a:endParaRPr>
           </a:p>
         </p:txBody>
       </p:sp>
@@ -17093,7 +17557,7 @@
     </p:spTree>
     <p:extLst>
       <p:ext uri="{BB962C8B-B14F-4D97-AF65-F5344CB8AC3E}">
-        <p14:creationId xmlns:p14="http://schemas.microsoft.com/office/powerpoint/2010/main" val="3493552530"/>
+        <p14:creationId xmlns:p14="http://schemas.microsoft.com/office/powerpoint/2010/main" val="3608408415"/>
       </p:ext>
     </p:extLst>
   </p:cSld>
@@ -17132,8 +17596,8 @@
         </p:nvSpPr>
         <p:spPr>
           <a:xfrm>
-            <a:off x="971600" y="980728"/>
-            <a:ext cx="7725544" cy="504056"/>
+            <a:off x="792480" y="980728"/>
+            <a:ext cx="8205216" cy="504056"/>
           </a:xfrm>
           <a:prstGeom prst="rect">
             <a:avLst/>
@@ -17155,20 +17619,36 @@
               </a:buClr>
             </a:pPr>
             <a:r>
-              <a:rPr lang="ru-RU" sz="1800" b="1" dirty="0" smtClean="0">
+              <a:rPr lang="ru-RU" sz="1800" b="1" i="1" dirty="0">
                 <a:solidFill>
                   <a:srgbClr val="FF0000"/>
                 </a:solidFill>
               </a:rPr>
-              <a:t>Процесс </a:t>
+              <a:t>Этап </a:t>
             </a:r>
             <a:r>
-              <a:rPr lang="ru-RU" sz="1800" b="1" dirty="0">
+              <a:rPr lang="ru-RU" sz="1800" b="1" i="1" dirty="0" smtClean="0">
                 <a:solidFill>
                   <a:srgbClr val="FF0000"/>
                 </a:solidFill>
               </a:rPr>
-              <a:t>внедрения СЭД </a:t>
+              <a:t>2. </a:t>
+            </a:r>
+            <a:r>
+              <a:rPr lang="ru-RU" sz="1800" b="1" i="1" dirty="0">
+                <a:solidFill>
+                  <a:srgbClr val="FF0000"/>
+                </a:solidFill>
+              </a:rPr>
+              <a:t>Определение </a:t>
+            </a:r>
+            <a:r>
+              <a:rPr lang="ru-RU" sz="1800" b="1" i="1" dirty="0" smtClean="0">
+                <a:solidFill>
+                  <a:srgbClr val="FF0000"/>
+                </a:solidFill>
+              </a:rPr>
+              <a:t>требований к процессам документооборота</a:t>
             </a:r>
             <a:endParaRPr sz="1800" b="1" dirty="0">
               <a:solidFill>
@@ -17242,8 +17722,8 @@
         </p:nvSpPr>
         <p:spPr>
           <a:xfrm>
-            <a:off x="0" y="1343179"/>
-            <a:ext cx="8400582" cy="4610485"/>
+            <a:off x="-195072" y="1343179"/>
+            <a:ext cx="9339072" cy="4610485"/>
           </a:xfrm>
           <a:prstGeom prst="rect">
             <a:avLst/>
@@ -17265,30 +17745,95 @@
               </a:lnSpc>
             </a:pPr>
             <a:r>
-              <a:rPr lang="ru-RU" sz="2400" i="1" dirty="0">
+              <a:rPr lang="ru-RU" sz="2400" dirty="0" smtClean="0">
                 <a:latin typeface="Times New Roman" panose="02020603050405020304" pitchFamily="18" charset="0"/>
                 <a:cs typeface="Times New Roman" panose="02020603050405020304" pitchFamily="18" charset="0"/>
               </a:rPr>
-              <a:t>Этап 4. Выбор системы электронного документооборота.</a:t>
+              <a:t>Данный пункт необходимо запрашивать непосредственно у заказчика (Университета). Можно предположить, что процесс документооборота должен быть:</a:t>
             </a:r>
-            <a:endParaRPr lang="ru-RU" sz="2400" dirty="0">
+            <a:endParaRPr lang="ru-RU" sz="2000" dirty="0" smtClean="0">
               <a:latin typeface="Times New Roman" panose="02020603050405020304" pitchFamily="18" charset="0"/>
               <a:cs typeface="Times New Roman" panose="02020603050405020304" pitchFamily="18" charset="0"/>
             </a:endParaRPr>
           </a:p>
           <a:p>
-            <a:pPr>
+            <a:pPr lvl="1">
               <a:lnSpc>
                 <a:spcPct val="150000"/>
               </a:lnSpc>
             </a:pPr>
             <a:r>
-              <a:rPr lang="ru-RU" sz="2400" dirty="0">
+              <a:rPr lang="ru-RU" sz="2000" dirty="0" smtClean="0">
                 <a:latin typeface="Times New Roman" panose="02020603050405020304" pitchFamily="18" charset="0"/>
                 <a:cs typeface="Times New Roman" panose="02020603050405020304" pitchFamily="18" charset="0"/>
               </a:rPr>
-              <a:t>Этот этап позволяет организации определить основные технологии, на основании которых будет работать система электронного документооборота, выбрать подходящую систему и определить поставщика услуг по внедрению системы электронного документооборота.</a:t>
+              <a:t>Прост </a:t>
             </a:r>
+            <a:r>
+              <a:rPr lang="ru-RU" sz="2000" dirty="0">
+                <a:latin typeface="Times New Roman" panose="02020603050405020304" pitchFamily="18" charset="0"/>
+                <a:cs typeface="Times New Roman" panose="02020603050405020304" pitchFamily="18" charset="0"/>
+              </a:rPr>
+              <a:t>для обучения</a:t>
+            </a:r>
+            <a:endParaRPr lang="ru-RU" sz="1800" dirty="0">
+              <a:latin typeface="Times New Roman" panose="02020603050405020304" pitchFamily="18" charset="0"/>
+              <a:cs typeface="Times New Roman" panose="02020603050405020304" pitchFamily="18" charset="0"/>
+            </a:endParaRPr>
+          </a:p>
+          <a:p>
+            <a:pPr lvl="1">
+              <a:lnSpc>
+                <a:spcPct val="150000"/>
+              </a:lnSpc>
+            </a:pPr>
+            <a:r>
+              <a:rPr lang="ru-RU" sz="2000" dirty="0">
+                <a:latin typeface="Times New Roman" panose="02020603050405020304" pitchFamily="18" charset="0"/>
+                <a:cs typeface="Times New Roman" panose="02020603050405020304" pitchFamily="18" charset="0"/>
+              </a:rPr>
+              <a:t>Включать в себя оборудование для ЭЦП</a:t>
+            </a:r>
+            <a:endParaRPr lang="ru-RU" sz="1800" dirty="0">
+              <a:latin typeface="Times New Roman" panose="02020603050405020304" pitchFamily="18" charset="0"/>
+              <a:cs typeface="Times New Roman" panose="02020603050405020304" pitchFamily="18" charset="0"/>
+            </a:endParaRPr>
+          </a:p>
+          <a:p>
+            <a:pPr lvl="1">
+              <a:lnSpc>
+                <a:spcPct val="150000"/>
+              </a:lnSpc>
+            </a:pPr>
+            <a:r>
+              <a:rPr lang="ru-RU" sz="2000" dirty="0">
+                <a:latin typeface="Times New Roman" panose="02020603050405020304" pitchFamily="18" charset="0"/>
+                <a:cs typeface="Times New Roman" panose="02020603050405020304" pitchFamily="18" charset="0"/>
+              </a:rPr>
+              <a:t>Включать в себя оборудования для шифрования данных</a:t>
+            </a:r>
+            <a:endParaRPr lang="ru-RU" sz="1800" dirty="0">
+              <a:latin typeface="Times New Roman" panose="02020603050405020304" pitchFamily="18" charset="0"/>
+              <a:cs typeface="Times New Roman" panose="02020603050405020304" pitchFamily="18" charset="0"/>
+            </a:endParaRPr>
+          </a:p>
+          <a:p>
+            <a:pPr lvl="1">
+              <a:lnSpc>
+                <a:spcPct val="150000"/>
+              </a:lnSpc>
+            </a:pPr>
+            <a:r>
+              <a:rPr lang="ru-RU" sz="2000" dirty="0">
+                <a:latin typeface="Times New Roman" panose="02020603050405020304" pitchFamily="18" charset="0"/>
+                <a:cs typeface="Times New Roman" panose="02020603050405020304" pitchFamily="18" charset="0"/>
+              </a:rPr>
+              <a:t>Включать в себя оборудования для предоставления каналов передачи информации</a:t>
+            </a:r>
+            <a:endParaRPr lang="ru-RU" sz="1800" dirty="0">
+              <a:latin typeface="Times New Roman" panose="02020603050405020304" pitchFamily="18" charset="0"/>
+              <a:cs typeface="Times New Roman" panose="02020603050405020304" pitchFamily="18" charset="0"/>
+            </a:endParaRPr>
           </a:p>
         </p:txBody>
       </p:sp>
@@ -17396,7 +17941,7 @@
     </p:spTree>
     <p:extLst>
       <p:ext uri="{BB962C8B-B14F-4D97-AF65-F5344CB8AC3E}">
-        <p14:creationId xmlns:p14="http://schemas.microsoft.com/office/powerpoint/2010/main" val="2983586992"/>
+        <p14:creationId xmlns:p14="http://schemas.microsoft.com/office/powerpoint/2010/main" val="2359527109"/>
       </p:ext>
     </p:extLst>
   </p:cSld>
@@ -17458,20 +18003,20 @@
               </a:buClr>
             </a:pPr>
             <a:r>
-              <a:rPr lang="ru-RU" sz="1800" b="1" dirty="0" smtClean="0">
+              <a:rPr lang="ru-RU" sz="1800" b="1" i="1" dirty="0">
                 <a:solidFill>
                   <a:srgbClr val="FF0000"/>
                 </a:solidFill>
               </a:rPr>
-              <a:t>Процесс </a:t>
+              <a:t>Этап </a:t>
             </a:r>
             <a:r>
-              <a:rPr lang="ru-RU" sz="1800" b="1" dirty="0">
+              <a:rPr lang="ru-RU" sz="1800" b="1" i="1" dirty="0" smtClean="0">
                 <a:solidFill>
                   <a:srgbClr val="FF0000"/>
                 </a:solidFill>
               </a:rPr>
-              <a:t>внедрения СЭД </a:t>
+              <a:t>3. Формирование критериев выбора системы ЭДО</a:t>
             </a:r>
             <a:endParaRPr sz="1800" b="1" dirty="0">
               <a:solidFill>
@@ -17546,7 +18091,7 @@
         <p:spPr>
           <a:xfrm>
             <a:off x="0" y="1343179"/>
-            <a:ext cx="9144000" cy="4610485"/>
+            <a:ext cx="9485376" cy="4899125"/>
           </a:xfrm>
           <a:prstGeom prst="rect">
             <a:avLst/>
@@ -17561,24 +18106,6 @@
             <a:noAutofit/>
           </a:bodyPr>
           <a:lstStyle/>
-          <a:p>
-            <a:pPr>
-              <a:lnSpc>
-                <a:spcPct val="150000"/>
-              </a:lnSpc>
-            </a:pPr>
-            <a:r>
-              <a:rPr lang="ru-RU" sz="2400" i="1" dirty="0">
-                <a:latin typeface="Times New Roman" panose="02020603050405020304" pitchFamily="18" charset="0"/>
-                <a:cs typeface="Times New Roman" panose="02020603050405020304" pitchFamily="18" charset="0"/>
-              </a:rPr>
-              <a:t>Этап 5. Управление проектом внедрения системы электронного документооборота.</a:t>
-            </a:r>
-            <a:endParaRPr lang="ru-RU" sz="2400" dirty="0">
-              <a:latin typeface="Times New Roman" panose="02020603050405020304" pitchFamily="18" charset="0"/>
-              <a:cs typeface="Times New Roman" panose="02020603050405020304" pitchFamily="18" charset="0"/>
-            </a:endParaRPr>
-          </a:p>
           <a:p>
             <a:pPr>
               <a:lnSpc>
@@ -17590,8 +18117,111 @@
                 <a:latin typeface="Times New Roman" panose="02020603050405020304" pitchFamily="18" charset="0"/>
                 <a:cs typeface="Times New Roman" panose="02020603050405020304" pitchFamily="18" charset="0"/>
               </a:rPr>
-              <a:t>После выбора поставщика системы электронного документооборота необходимо разработать план внедрения. Этот этап может занять достаточно много времени, однако время на планирование поможет значительно сократить время на внедрение системы. План может быть разработан совместно с поставщиком услуг.</a:t>
+              <a:t>На данном этапе необходимо:</a:t>
             </a:r>
+            <a:endParaRPr lang="ru-RU" sz="2000" dirty="0">
+              <a:latin typeface="Times New Roman" panose="02020603050405020304" pitchFamily="18" charset="0"/>
+              <a:cs typeface="Times New Roman" panose="02020603050405020304" pitchFamily="18" charset="0"/>
+            </a:endParaRPr>
+          </a:p>
+          <a:p>
+            <a:pPr lvl="1">
+              <a:lnSpc>
+                <a:spcPct val="150000"/>
+              </a:lnSpc>
+            </a:pPr>
+            <a:r>
+              <a:rPr lang="ru-RU" sz="2000" dirty="0">
+                <a:latin typeface="Times New Roman" panose="02020603050405020304" pitchFamily="18" charset="0"/>
+                <a:cs typeface="Times New Roman" panose="02020603050405020304" pitchFamily="18" charset="0"/>
+              </a:rPr>
+              <a:t>классифицировать существующие документы по видам;</a:t>
+            </a:r>
+          </a:p>
+          <a:p>
+            <a:pPr lvl="2">
+              <a:lnSpc>
+                <a:spcPct val="150000"/>
+              </a:lnSpc>
+            </a:pPr>
+            <a:r>
+              <a:rPr lang="ru-RU" sz="2000" dirty="0">
+                <a:latin typeface="Times New Roman" panose="02020603050405020304" pitchFamily="18" charset="0"/>
+                <a:cs typeface="Times New Roman" panose="02020603050405020304" pitchFamily="18" charset="0"/>
+              </a:rPr>
+              <a:t>Предположительно заявления, отчеты, положения, приказы.</a:t>
+            </a:r>
+            <a:endParaRPr lang="ru-RU" sz="1800" dirty="0">
+              <a:latin typeface="Times New Roman" panose="02020603050405020304" pitchFamily="18" charset="0"/>
+              <a:cs typeface="Times New Roman" panose="02020603050405020304" pitchFamily="18" charset="0"/>
+            </a:endParaRPr>
+          </a:p>
+          <a:p>
+            <a:pPr lvl="1">
+              <a:lnSpc>
+                <a:spcPct val="150000"/>
+              </a:lnSpc>
+            </a:pPr>
+            <a:r>
+              <a:rPr lang="ru-RU" sz="2000" dirty="0">
+                <a:latin typeface="Times New Roman" panose="02020603050405020304" pitchFamily="18" charset="0"/>
+                <a:cs typeface="Times New Roman" panose="02020603050405020304" pitchFamily="18" charset="0"/>
+              </a:rPr>
+              <a:t>провести оценку существующих форм документов;</a:t>
+            </a:r>
+          </a:p>
+          <a:p>
+            <a:pPr lvl="1">
+              <a:lnSpc>
+                <a:spcPct val="150000"/>
+              </a:lnSpc>
+            </a:pPr>
+            <a:r>
+              <a:rPr lang="ru-RU" sz="2000" dirty="0">
+                <a:latin typeface="Times New Roman" panose="02020603050405020304" pitchFamily="18" charset="0"/>
+                <a:cs typeface="Times New Roman" panose="02020603050405020304" pitchFamily="18" charset="0"/>
+              </a:rPr>
+              <a:t>определить состав данных, которые будут перенесены в электронный вид;</a:t>
+            </a:r>
+          </a:p>
+          <a:p>
+            <a:pPr lvl="1">
+              <a:lnSpc>
+                <a:spcPct val="150000"/>
+              </a:lnSpc>
+            </a:pPr>
+            <a:r>
+              <a:rPr lang="ru-RU" sz="2000" dirty="0">
+                <a:latin typeface="Times New Roman" panose="02020603050405020304" pitchFamily="18" charset="0"/>
+                <a:cs typeface="Times New Roman" panose="02020603050405020304" pitchFamily="18" charset="0"/>
+              </a:rPr>
+              <a:t>определить требования к пользовательскому интерфейсу;</a:t>
+            </a:r>
+          </a:p>
+          <a:p>
+            <a:pPr lvl="1">
+              <a:lnSpc>
+                <a:spcPct val="150000"/>
+              </a:lnSpc>
+            </a:pPr>
+            <a:r>
+              <a:rPr lang="ru-RU" sz="2000" dirty="0">
+                <a:latin typeface="Times New Roman" panose="02020603050405020304" pitchFamily="18" charset="0"/>
+                <a:cs typeface="Times New Roman" panose="02020603050405020304" pitchFamily="18" charset="0"/>
+              </a:rPr>
+              <a:t>составить набор критериев выбора системы электронного документооборота.</a:t>
+            </a:r>
+          </a:p>
+          <a:p>
+            <a:pPr>
+              <a:lnSpc>
+                <a:spcPct val="150000"/>
+              </a:lnSpc>
+            </a:pPr>
+            <a:endParaRPr lang="ru-RU" sz="2000" dirty="0">
+              <a:latin typeface="Times New Roman" panose="02020603050405020304" pitchFamily="18" charset="0"/>
+              <a:cs typeface="Times New Roman" panose="02020603050405020304" pitchFamily="18" charset="0"/>
+            </a:endParaRPr>
           </a:p>
         </p:txBody>
       </p:sp>
@@ -17699,7 +18329,7 @@
     </p:spTree>
     <p:extLst>
       <p:ext uri="{BB962C8B-B14F-4D97-AF65-F5344CB8AC3E}">
-        <p14:creationId xmlns:p14="http://schemas.microsoft.com/office/powerpoint/2010/main" val="2877129669"/>
+        <p14:creationId xmlns:p14="http://schemas.microsoft.com/office/powerpoint/2010/main" val="3493552530"/>
       </p:ext>
     </p:extLst>
   </p:cSld>
@@ -17761,20 +18391,20 @@
               </a:buClr>
             </a:pPr>
             <a:r>
-              <a:rPr lang="ru-RU" sz="1800" b="1" dirty="0" smtClean="0">
+              <a:rPr lang="ru-RU" sz="1800" b="1" i="1" dirty="0">
                 <a:solidFill>
                   <a:srgbClr val="FF0000"/>
                 </a:solidFill>
               </a:rPr>
-              <a:t>Процесс </a:t>
+              <a:t>Этап </a:t>
             </a:r>
             <a:r>
-              <a:rPr lang="ru-RU" sz="1800" b="1" dirty="0">
+              <a:rPr lang="ru-RU" sz="1800" b="1" i="1" dirty="0" smtClean="0">
                 <a:solidFill>
                   <a:srgbClr val="FF0000"/>
                 </a:solidFill>
               </a:rPr>
-              <a:t>внедрения СЭД </a:t>
+              <a:t>4. Выбор системы ЭДО</a:t>
             </a:r>
             <a:endParaRPr sz="1800" b="1" dirty="0">
               <a:solidFill>
@@ -17848,8 +18478,8 @@
         </p:nvSpPr>
         <p:spPr>
           <a:xfrm>
-            <a:off x="0" y="1327292"/>
-            <a:ext cx="9265920" cy="4610485"/>
+            <a:off x="-280416" y="1111268"/>
+            <a:ext cx="9692640" cy="5245082"/>
           </a:xfrm>
           <a:prstGeom prst="rect">
             <a:avLst/>
@@ -17871,33 +18501,112 @@
               </a:lnSpc>
             </a:pPr>
             <a:r>
-              <a:rPr lang="ru-RU" sz="2800" i="1" dirty="0">
-                <a:latin typeface="Times New Roman" panose="02020603050405020304" pitchFamily="18" charset="0"/>
-                <a:cs typeface="Times New Roman" panose="02020603050405020304" pitchFamily="18" charset="0"/>
-              </a:rPr>
-              <a:t>Этап 6. Документирование системы</a:t>
+              <a:rPr lang="ru-RU" sz="2000" dirty="0"/>
+              <a:t>На данном этапе необходимо:</a:t>
+            </a:r>
+          </a:p>
+          <a:p>
+            <a:pPr lvl="1"/>
+            <a:r>
+              <a:rPr lang="ru-RU" sz="2000" dirty="0"/>
+              <a:t>определить состав функций системы документооборота;</a:t>
+            </a:r>
+          </a:p>
+          <a:p>
+            <a:pPr lvl="2"/>
+            <a:r>
+              <a:rPr lang="ru-RU" sz="2000" dirty="0"/>
+              <a:t>Основной функционал СЭД должен включать в себя:</a:t>
+            </a:r>
+          </a:p>
+          <a:p>
+            <a:pPr lvl="3">
+              <a:buFont typeface="Wingdings" panose="05000000000000000000" pitchFamily="2" charset="2"/>
+              <a:buChar char="§"/>
+            </a:pPr>
+            <a:r>
+              <a:rPr lang="ru-RU" dirty="0"/>
+              <a:t>возможность создания документов</a:t>
             </a:r>
             <a:r>
-              <a:rPr lang="ru-RU" sz="2800" dirty="0">
-                <a:latin typeface="Times New Roman" panose="02020603050405020304" pitchFamily="18" charset="0"/>
-                <a:cs typeface="Times New Roman" panose="02020603050405020304" pitchFamily="18" charset="0"/>
-              </a:rPr>
-              <a:t>.</a:t>
+              <a:rPr lang="en-US" dirty="0"/>
+              <a:t>;</a:t>
             </a:r>
-          </a:p>
-          <a:p>
-            <a:pPr>
-              <a:lnSpc>
-                <a:spcPct val="150000"/>
-              </a:lnSpc>
+            <a:endParaRPr lang="ru-RU" dirty="0"/>
+          </a:p>
+          <a:p>
+            <a:pPr lvl="3">
+              <a:buFont typeface="Wingdings" panose="05000000000000000000" pitchFamily="2" charset="2"/>
+              <a:buChar char="§"/>
             </a:pPr>
             <a:r>
-              <a:rPr lang="ru-RU" sz="2800" dirty="0">
-                <a:latin typeface="Times New Roman" panose="02020603050405020304" pitchFamily="18" charset="0"/>
-                <a:cs typeface="Times New Roman" panose="02020603050405020304" pitchFamily="18" charset="0"/>
-              </a:rPr>
-              <a:t>Этот этап может выполняться параллельно с предыдущим этапом. Целью данного этапа является создание определенных организационных правил, которые обеспечат стабильную работу системы электронного документооборота.</a:t>
+              <a:rPr lang="ru-RU" dirty="0"/>
+              <a:t>возможность изменения документов</a:t>
             </a:r>
+            <a:r>
+              <a:rPr lang="en-US" dirty="0"/>
+              <a:t>;</a:t>
+            </a:r>
+            <a:endParaRPr lang="ru-RU" dirty="0"/>
+          </a:p>
+          <a:p>
+            <a:pPr lvl="3">
+              <a:buFont typeface="Wingdings" panose="05000000000000000000" pitchFamily="2" charset="2"/>
+              <a:buChar char="§"/>
+            </a:pPr>
+            <a:r>
+              <a:rPr lang="ru-RU" dirty="0"/>
+              <a:t>возможность хранения документов; </a:t>
+            </a:r>
+          </a:p>
+          <a:p>
+            <a:pPr lvl="3">
+              <a:buFont typeface="Wingdings" panose="05000000000000000000" pitchFamily="2" charset="2"/>
+              <a:buChar char="§"/>
+            </a:pPr>
+            <a:r>
+              <a:rPr lang="ru-RU" dirty="0"/>
+              <a:t>возможность передачи и приема документов;</a:t>
+            </a:r>
+          </a:p>
+          <a:p>
+            <a:pPr lvl="1"/>
+            <a:r>
+              <a:rPr lang="ru-RU" sz="2000" dirty="0"/>
+              <a:t>определить вид системы документооборота, наибольшим образом соответствующий потребностям организации;</a:t>
+            </a:r>
+          </a:p>
+          <a:p>
+            <a:pPr lvl="2"/>
+            <a:r>
+              <a:rPr lang="ru-RU" sz="2000" dirty="0"/>
+              <a:t>ведение полностью электронного документооборота или совмещения режимов (бумажно-электронного)</a:t>
+            </a:r>
+          </a:p>
+          <a:p>
+            <a:pPr lvl="1"/>
+            <a:r>
+              <a:rPr lang="ru-RU" sz="2000" dirty="0"/>
+              <a:t>сформировать список возможных поставщиков СЭД; </a:t>
+            </a:r>
+          </a:p>
+          <a:p>
+            <a:pPr lvl="2"/>
+            <a:r>
+              <a:rPr lang="ru-RU" sz="2000" dirty="0"/>
+              <a:t>Зависит от того, с кем сотрудничает университет</a:t>
+            </a:r>
+          </a:p>
+          <a:p>
+            <a:pPr lvl="1"/>
+            <a:r>
+              <a:rPr lang="ru-RU" sz="2000" dirty="0"/>
+              <a:t>выбрать поставщика системы электронного документооборота</a:t>
+            </a:r>
+            <a:endParaRPr lang="ru-RU" sz="2000" dirty="0">
+              <a:latin typeface="Times New Roman" panose="02020603050405020304" pitchFamily="18" charset="0"/>
+              <a:cs typeface="Times New Roman" panose="02020603050405020304" pitchFamily="18" charset="0"/>
+            </a:endParaRPr>
           </a:p>
         </p:txBody>
       </p:sp>
@@ -18005,7 +18714,7 @@
     </p:spTree>
     <p:extLst>
       <p:ext uri="{BB962C8B-B14F-4D97-AF65-F5344CB8AC3E}">
-        <p14:creationId xmlns:p14="http://schemas.microsoft.com/office/powerpoint/2010/main" val="2247091113"/>
+        <p14:creationId xmlns:p14="http://schemas.microsoft.com/office/powerpoint/2010/main" val="2983586992"/>
       </p:ext>
     </p:extLst>
   </p:cSld>
@@ -18067,20 +18776,20 @@
               </a:buClr>
             </a:pPr>
             <a:r>
-              <a:rPr lang="ru-RU" sz="1800" b="1" dirty="0" smtClean="0">
+              <a:rPr lang="ru-RU" sz="1800" b="1" i="1" dirty="0">
                 <a:solidFill>
                   <a:srgbClr val="FF0000"/>
                 </a:solidFill>
               </a:rPr>
-              <a:t>Процесс </a:t>
+              <a:t>Этап </a:t>
             </a:r>
             <a:r>
-              <a:rPr lang="ru-RU" sz="1800" b="1" dirty="0">
+              <a:rPr lang="ru-RU" sz="1800" b="1" i="1" dirty="0" smtClean="0">
                 <a:solidFill>
                   <a:srgbClr val="FF0000"/>
                 </a:solidFill>
               </a:rPr>
-              <a:t>внедрения СЭД </a:t>
+              <a:t>5. Управление проектом внедрения СЭД</a:t>
             </a:r>
             <a:endParaRPr sz="1800" b="1" dirty="0">
               <a:solidFill>
@@ -18154,8 +18863,8 @@
         </p:nvSpPr>
         <p:spPr>
           <a:xfrm>
-            <a:off x="-1" y="1343179"/>
-            <a:ext cx="8952411" cy="4610485"/>
+            <a:off x="-97536" y="1158401"/>
+            <a:ext cx="9144000" cy="4909917"/>
           </a:xfrm>
           <a:prstGeom prst="rect">
             <a:avLst/>
@@ -18171,39 +18880,97 @@
           </a:bodyPr>
           <a:lstStyle/>
           <a:p>
+            <a:pPr marL="114300" indent="0">
+              <a:lnSpc>
+                <a:spcPct val="150000"/>
+              </a:lnSpc>
+              <a:buNone/>
+            </a:pPr>
+            <a:r>
+              <a:rPr lang="ru-RU" sz="1800" dirty="0" smtClean="0"/>
+              <a:t>	После </a:t>
+            </a:r>
+            <a:r>
+              <a:rPr lang="ru-RU" sz="1800" dirty="0"/>
+              <a:t>выбора поставщика системы электронного документооборота необходимо разработать план внедрения. Этот этап может занять достаточно много времени, однако время на планирование поможет значительно сократить время на внедрение системы. План может быть разработан совместно с поставщиком услуг.</a:t>
+            </a:r>
+          </a:p>
+          <a:p>
+            <a:pPr lvl="1">
+              <a:lnSpc>
+                <a:spcPct val="150000"/>
+              </a:lnSpc>
+            </a:pPr>
+            <a:r>
+              <a:rPr lang="ru-RU" sz="1800" dirty="0"/>
+              <a:t>План управления проектом должен включать следующие работы:</a:t>
+            </a:r>
+          </a:p>
+          <a:p>
+            <a:pPr lvl="1">
+              <a:lnSpc>
+                <a:spcPct val="150000"/>
+              </a:lnSpc>
+            </a:pPr>
+            <a:r>
+              <a:rPr lang="ru-RU" sz="1800" dirty="0"/>
+              <a:t>проектирование функционала системы;</a:t>
+            </a:r>
+          </a:p>
+          <a:p>
+            <a:pPr lvl="1">
+              <a:lnSpc>
+                <a:spcPct val="150000"/>
+              </a:lnSpc>
+            </a:pPr>
+            <a:r>
+              <a:rPr lang="ru-RU" sz="1800" dirty="0"/>
+              <a:t>внедрение системы;</a:t>
+            </a:r>
+          </a:p>
+          <a:p>
+            <a:pPr lvl="1">
+              <a:lnSpc>
+                <a:spcPct val="150000"/>
+              </a:lnSpc>
+            </a:pPr>
+            <a:r>
+              <a:rPr lang="ru-RU" sz="1800" dirty="0"/>
+              <a:t>тестирование и оценка работы системы;</a:t>
+            </a:r>
+          </a:p>
+          <a:p>
+            <a:pPr lvl="1">
+              <a:lnSpc>
+                <a:spcPct val="150000"/>
+              </a:lnSpc>
+            </a:pPr>
+            <a:r>
+              <a:rPr lang="ru-RU" sz="1800" dirty="0"/>
+              <a:t>опытная эксплуатация системы;</a:t>
+            </a:r>
+          </a:p>
+          <a:p>
+            <a:pPr lvl="1">
+              <a:lnSpc>
+                <a:spcPct val="150000"/>
+              </a:lnSpc>
+            </a:pPr>
+            <a:r>
+              <a:rPr lang="ru-RU" sz="1800" dirty="0"/>
+              <a:t>доработка и настройка системы.</a:t>
+            </a:r>
+          </a:p>
+          <a:p>
             <a:pPr>
               <a:lnSpc>
                 <a:spcPct val="150000"/>
               </a:lnSpc>
             </a:pPr>
-            <a:r>
-              <a:rPr lang="ru-RU" sz="2800" i="1" dirty="0">
-                <a:latin typeface="Times New Roman" panose="02020603050405020304" pitchFamily="18" charset="0"/>
-                <a:cs typeface="Times New Roman" panose="02020603050405020304" pitchFamily="18" charset="0"/>
-              </a:rPr>
-              <a:t>Этап 6. Документирование системы</a:t>
-            </a:r>
-            <a:r>
-              <a:rPr lang="ru-RU" sz="2800" dirty="0">
-                <a:latin typeface="Times New Roman" panose="02020603050405020304" pitchFamily="18" charset="0"/>
-                <a:cs typeface="Times New Roman" panose="02020603050405020304" pitchFamily="18" charset="0"/>
-              </a:rPr>
-              <a:t>.</a:t>
-            </a:r>
-          </a:p>
-          <a:p>
-            <a:pPr>
-              <a:lnSpc>
-                <a:spcPct val="150000"/>
-              </a:lnSpc>
-            </a:pPr>
-            <a:r>
-              <a:rPr lang="ru-RU" sz="2800" dirty="0">
-                <a:latin typeface="Times New Roman" panose="02020603050405020304" pitchFamily="18" charset="0"/>
-                <a:cs typeface="Times New Roman" panose="02020603050405020304" pitchFamily="18" charset="0"/>
-              </a:rPr>
-              <a:t>Этот этап может выполняться параллельно с предыдущим этапом. Целью данного этапа является создание определенных организационных правил, которые обеспечат стабильную работу системы электронного документооборота.</a:t>
-            </a:r>
+            <a:endParaRPr lang="ru-RU" sz="1800" dirty="0">
+              <a:latin typeface="Times New Roman" panose="02020603050405020304" pitchFamily="18" charset="0"/>
+              <a:cs typeface="Times New Roman" panose="02020603050405020304" pitchFamily="18" charset="0"/>
+            </a:endParaRPr>
           </a:p>
         </p:txBody>
       </p:sp>
@@ -18311,7 +19078,7 @@
     </p:spTree>
     <p:extLst>
       <p:ext uri="{BB962C8B-B14F-4D97-AF65-F5344CB8AC3E}">
-        <p14:creationId xmlns:p14="http://schemas.microsoft.com/office/powerpoint/2010/main" val="3831070383"/>
+        <p14:creationId xmlns:p14="http://schemas.microsoft.com/office/powerpoint/2010/main" val="2877129669"/>
       </p:ext>
     </p:extLst>
   </p:cSld>
@@ -18373,12 +19140,20 @@
               </a:buClr>
             </a:pPr>
             <a:r>
-              <a:rPr lang="ru-RU" sz="1800" b="1" dirty="0" smtClean="0">
+              <a:rPr lang="ru-RU" sz="1800" b="1" i="1" dirty="0">
                 <a:solidFill>
                   <a:srgbClr val="FF0000"/>
                 </a:solidFill>
               </a:rPr>
-              <a:t>Выбор УЦ</a:t>
+              <a:t>Этап </a:t>
+            </a:r>
+            <a:r>
+              <a:rPr lang="ru-RU" sz="1800" b="1" i="1" dirty="0" smtClean="0">
+                <a:solidFill>
+                  <a:srgbClr val="FF0000"/>
+                </a:solidFill>
+              </a:rPr>
+              <a:t>6. Документирование системы</a:t>
             </a:r>
             <a:endParaRPr sz="1800" b="1" dirty="0">
               <a:solidFill>
@@ -18452,8 +19227,8 @@
         </p:nvSpPr>
         <p:spPr>
           <a:xfrm>
-            <a:off x="-1" y="1343179"/>
-            <a:ext cx="9074331" cy="4610485"/>
+            <a:off x="0" y="1327292"/>
+            <a:ext cx="9265920" cy="4927204"/>
           </a:xfrm>
           <a:prstGeom prst="rect">
             <a:avLst/>
@@ -18469,89 +19244,63 @@
           </a:bodyPr>
           <a:lstStyle/>
           <a:p>
-            <a:pPr>
+            <a:pPr marL="114300" indent="0">
+              <a:lnSpc>
+                <a:spcPct val="150000"/>
+              </a:lnSpc>
+              <a:buNone/>
+            </a:pPr>
+            <a:r>
+              <a:rPr lang="ru-RU" sz="2400" dirty="0" smtClean="0"/>
+              <a:t>	Этот </a:t>
+            </a:r>
+            <a:r>
+              <a:rPr lang="ru-RU" sz="2400" dirty="0"/>
+              <a:t>этап может выполняться параллельно с предыдущим этапом. Целью данного этапа является создание определенных организационных правил, которые обеспечат стабильную работу системы электронного документооборота.</a:t>
+            </a:r>
+          </a:p>
+          <a:p>
+            <a:pPr lvl="1">
               <a:lnSpc>
                 <a:spcPct val="150000"/>
               </a:lnSpc>
             </a:pPr>
             <a:r>
-              <a:rPr lang="ru-RU" sz="2400" dirty="0">
-                <a:latin typeface="Times New Roman" panose="02020603050405020304" pitchFamily="18" charset="0"/>
-                <a:cs typeface="Times New Roman" panose="02020603050405020304" pitchFamily="18" charset="0"/>
-              </a:rPr>
-              <a:t>Так как университет сотрудничает с компанией </a:t>
+              <a:rPr lang="ru-RU" sz="1800" dirty="0"/>
+              <a:t>На данном этапе необходимо:</a:t>
             </a:r>
-            <a:r>
-              <a:rPr lang="ru-RU" sz="2400" dirty="0" err="1">
-                <a:latin typeface="Times New Roman" panose="02020603050405020304" pitchFamily="18" charset="0"/>
-                <a:cs typeface="Times New Roman" panose="02020603050405020304" pitchFamily="18" charset="0"/>
-              </a:rPr>
-              <a:t>Инфотекс</a:t>
-            </a:r>
-            <a:r>
-              <a:rPr lang="ru-RU" sz="2400" dirty="0">
-                <a:latin typeface="Times New Roman" panose="02020603050405020304" pitchFamily="18" charset="0"/>
-                <a:cs typeface="Times New Roman" panose="02020603050405020304" pitchFamily="18" charset="0"/>
-              </a:rPr>
-              <a:t>, то следовательно использовать стоит УЦ именно этой компании</a:t>
-            </a:r>
-            <a:r>
-              <a:rPr lang="ru-RU" sz="2400" dirty="0" smtClean="0">
-                <a:latin typeface="Times New Roman" panose="02020603050405020304" pitchFamily="18" charset="0"/>
-                <a:cs typeface="Times New Roman" panose="02020603050405020304" pitchFamily="18" charset="0"/>
-              </a:rPr>
-              <a:t>.</a:t>
-            </a:r>
-          </a:p>
-          <a:p>
-            <a:pPr marL="114300" indent="0">
-              <a:lnSpc>
-                <a:spcPct val="150000"/>
-              </a:lnSpc>
-              <a:buNone/>
-            </a:pPr>
-            <a:endParaRPr lang="ru-RU" sz="2400" dirty="0">
-              <a:latin typeface="Times New Roman" panose="02020603050405020304" pitchFamily="18" charset="0"/>
-              <a:cs typeface="Times New Roman" panose="02020603050405020304" pitchFamily="18" charset="0"/>
-            </a:endParaRPr>
-          </a:p>
-          <a:p>
-            <a:pPr>
+          </a:p>
+          <a:p>
+            <a:pPr lvl="1">
               <a:lnSpc>
                 <a:spcPct val="150000"/>
               </a:lnSpc>
             </a:pPr>
             <a:r>
-              <a:rPr lang="ru-RU" sz="2400" b="1" dirty="0">
-                <a:latin typeface="Times New Roman" panose="02020603050405020304" pitchFamily="18" charset="0"/>
-                <a:cs typeface="Times New Roman" panose="02020603050405020304" pitchFamily="18" charset="0"/>
-              </a:rPr>
-              <a:t>УЦ </a:t>
+              <a:rPr lang="ru-RU" sz="1800" dirty="0"/>
+              <a:t>провести обучение персонала;</a:t>
             </a:r>
-            <a:r>
-              <a:rPr lang="en-US" sz="2400" b="1" dirty="0" err="1">
-                <a:latin typeface="Times New Roman" panose="02020603050405020304" pitchFamily="18" charset="0"/>
-                <a:cs typeface="Times New Roman" panose="02020603050405020304" pitchFamily="18" charset="0"/>
-              </a:rPr>
-              <a:t>Infotecs</a:t>
-            </a:r>
-            <a:endParaRPr lang="ru-RU" sz="2400" dirty="0">
-              <a:latin typeface="Times New Roman" panose="02020603050405020304" pitchFamily="18" charset="0"/>
-              <a:cs typeface="Times New Roman" panose="02020603050405020304" pitchFamily="18" charset="0"/>
-            </a:endParaRPr>
-          </a:p>
-          <a:p>
-            <a:pPr>
+          </a:p>
+          <a:p>
+            <a:pPr lvl="1">
               <a:lnSpc>
                 <a:spcPct val="150000"/>
               </a:lnSpc>
             </a:pPr>
             <a:r>
-              <a:rPr lang="ru-RU" sz="2400" dirty="0">
-                <a:latin typeface="Times New Roman" panose="02020603050405020304" pitchFamily="18" charset="0"/>
-                <a:cs typeface="Times New Roman" panose="02020603050405020304" pitchFamily="18" charset="0"/>
-              </a:rPr>
-              <a:t>Ниже предоставлена информация непосредственно с сайта партнера нашего университета. </a:t>
+              <a:rPr lang="ru-RU" sz="1800" dirty="0"/>
+              <a:t>разработать процедуры и регламенты взаимодействия пользователей;</a:t>
+            </a:r>
+          </a:p>
+          <a:p>
+            <a:pPr lvl="1">
+              <a:lnSpc>
+                <a:spcPct val="150000"/>
+              </a:lnSpc>
+            </a:pPr>
+            <a:r>
+              <a:rPr lang="ru-RU" sz="1800" dirty="0"/>
+              <a:t>разработать руководства по работе с системой.</a:t>
             </a:r>
           </a:p>
         </p:txBody>
@@ -18660,7 +19409,7 @@
     </p:spTree>
     <p:extLst>
       <p:ext uri="{BB962C8B-B14F-4D97-AF65-F5344CB8AC3E}">
-        <p14:creationId xmlns:p14="http://schemas.microsoft.com/office/powerpoint/2010/main" val="662349414"/>
+        <p14:creationId xmlns:p14="http://schemas.microsoft.com/office/powerpoint/2010/main" val="2247091113"/>
       </p:ext>
     </p:extLst>
   </p:cSld>
@@ -19277,12 +20026,20 @@
               </a:buClr>
             </a:pPr>
             <a:r>
+              <a:rPr lang="ru-RU" sz="1800" b="1" dirty="0" smtClean="0">
+                <a:solidFill>
+                  <a:srgbClr val="FF0000"/>
+                </a:solidFill>
+              </a:rPr>
+              <a:t>Процесс </a:t>
+            </a:r>
+            <a:r>
               <a:rPr lang="ru-RU" sz="1800" b="1" dirty="0">
                 <a:solidFill>
                   <a:srgbClr val="FF0000"/>
                 </a:solidFill>
               </a:rPr>
-              <a:t>Выбор УЦ</a:t>
+              <a:t>внедрения СЭД </a:t>
             </a:r>
             <a:endParaRPr sz="1800" b="1" dirty="0">
               <a:solidFill>
@@ -19356,8 +20113,8 @@
         </p:nvSpPr>
         <p:spPr>
           <a:xfrm>
-            <a:off x="0" y="1343179"/>
-            <a:ext cx="8400582" cy="4610485"/>
+            <a:off x="-1" y="1343179"/>
+            <a:ext cx="8952411" cy="4610485"/>
           </a:xfrm>
           <a:prstGeom prst="rect">
             <a:avLst/>
@@ -19373,12 +20130,38 @@
           </a:bodyPr>
           <a:lstStyle/>
           <a:p>
-            <a:pPr marL="114300" indent="0">
-              <a:buNone/>
+            <a:pPr>
+              <a:lnSpc>
+                <a:spcPct val="150000"/>
+              </a:lnSpc>
             </a:pPr>
             <a:r>
-              <a:rPr lang="ru-RU" sz="2800" dirty="0"/>
-              <a:t> </a:t>
+              <a:rPr lang="ru-RU" sz="2800" i="1" dirty="0">
+                <a:latin typeface="Times New Roman" panose="02020603050405020304" pitchFamily="18" charset="0"/>
+                <a:cs typeface="Times New Roman" panose="02020603050405020304" pitchFamily="18" charset="0"/>
+              </a:rPr>
+              <a:t>Этап 6. Документирование системы</a:t>
+            </a:r>
+            <a:r>
+              <a:rPr lang="ru-RU" sz="2800" dirty="0">
+                <a:latin typeface="Times New Roman" panose="02020603050405020304" pitchFamily="18" charset="0"/>
+                <a:cs typeface="Times New Roman" panose="02020603050405020304" pitchFamily="18" charset="0"/>
+              </a:rPr>
+              <a:t>.</a:t>
+            </a:r>
+          </a:p>
+          <a:p>
+            <a:pPr>
+              <a:lnSpc>
+                <a:spcPct val="150000"/>
+              </a:lnSpc>
+            </a:pPr>
+            <a:r>
+              <a:rPr lang="ru-RU" sz="2800" dirty="0">
+                <a:latin typeface="Times New Roman" panose="02020603050405020304" pitchFamily="18" charset="0"/>
+                <a:cs typeface="Times New Roman" panose="02020603050405020304" pitchFamily="18" charset="0"/>
+              </a:rPr>
+              <a:t>Этот этап может выполняться параллельно с предыдущим этапом. Целью данного этапа является создание определенных организационных правил, которые обеспечат стабильную работу системы электронного документооборота.</a:t>
             </a:r>
           </a:p>
         </p:txBody>
@@ -19484,38 +20267,10 @@
           </a:p>
         </p:txBody>
       </p:sp>
-      <p:pic>
-        <p:nvPicPr>
-          <p:cNvPr id="11" name="Рисунок 10"/>
-          <p:cNvPicPr/>
-          <p:nvPr/>
-        </p:nvPicPr>
-        <p:blipFill>
-          <a:blip r:embed="rId3">
-            <a:extLst>
-              <a:ext uri="{28A0092B-C50C-407E-A947-70E740481C1C}">
-                <a14:useLocalDpi xmlns:a14="http://schemas.microsoft.com/office/drawing/2010/main" val="0"/>
-              </a:ext>
-            </a:extLst>
-          </a:blip>
-          <a:stretch>
-            <a:fillRect/>
-          </a:stretch>
-        </p:blipFill>
-        <p:spPr>
-          <a:xfrm>
-            <a:off x="370703" y="1359578"/>
-            <a:ext cx="8464378" cy="5065936"/>
-          </a:xfrm>
-          <a:prstGeom prst="rect">
-            <a:avLst/>
-          </a:prstGeom>
-        </p:spPr>
-      </p:pic>
     </p:spTree>
     <p:extLst>
       <p:ext uri="{BB962C8B-B14F-4D97-AF65-F5344CB8AC3E}">
-        <p14:creationId xmlns:p14="http://schemas.microsoft.com/office/powerpoint/2010/main" val="505682195"/>
+        <p14:creationId xmlns:p14="http://schemas.microsoft.com/office/powerpoint/2010/main" val="3831070383"/>
       </p:ext>
     </p:extLst>
   </p:cSld>
@@ -19577,7 +20332,7 @@
               </a:buClr>
             </a:pPr>
             <a:r>
-              <a:rPr lang="ru-RU" sz="1800" b="1" dirty="0">
+              <a:rPr lang="ru-RU" sz="1800" b="1" dirty="0" smtClean="0">
                 <a:solidFill>
                   <a:srgbClr val="FF0000"/>
                 </a:solidFill>
@@ -19656,8 +20411,8 @@
         </p:nvSpPr>
         <p:spPr>
           <a:xfrm>
-            <a:off x="0" y="1343179"/>
-            <a:ext cx="8400582" cy="4610485"/>
+            <a:off x="-1" y="1343179"/>
+            <a:ext cx="9074331" cy="4610485"/>
           </a:xfrm>
           <a:prstGeom prst="rect">
             <a:avLst/>
@@ -19673,12 +20428,89 @@
           </a:bodyPr>
           <a:lstStyle/>
           <a:p>
-            <a:pPr marL="114300" indent="0">
-              <a:buNone/>
+            <a:pPr>
+              <a:lnSpc>
+                <a:spcPct val="150000"/>
+              </a:lnSpc>
             </a:pPr>
             <a:r>
-              <a:rPr lang="ru-RU" sz="2800" dirty="0"/>
-              <a:t> </a:t>
+              <a:rPr lang="ru-RU" sz="2400" dirty="0">
+                <a:latin typeface="Times New Roman" panose="02020603050405020304" pitchFamily="18" charset="0"/>
+                <a:cs typeface="Times New Roman" panose="02020603050405020304" pitchFamily="18" charset="0"/>
+              </a:rPr>
+              <a:t>Так как университет сотрудничает с компанией </a:t>
+            </a:r>
+            <a:r>
+              <a:rPr lang="ru-RU" sz="2400" dirty="0" err="1">
+                <a:latin typeface="Times New Roman" panose="02020603050405020304" pitchFamily="18" charset="0"/>
+                <a:cs typeface="Times New Roman" panose="02020603050405020304" pitchFamily="18" charset="0"/>
+              </a:rPr>
+              <a:t>Инфотекс</a:t>
+            </a:r>
+            <a:r>
+              <a:rPr lang="ru-RU" sz="2400" dirty="0">
+                <a:latin typeface="Times New Roman" panose="02020603050405020304" pitchFamily="18" charset="0"/>
+                <a:cs typeface="Times New Roman" panose="02020603050405020304" pitchFamily="18" charset="0"/>
+              </a:rPr>
+              <a:t>, то следовательно использовать стоит УЦ именно этой компании</a:t>
+            </a:r>
+            <a:r>
+              <a:rPr lang="ru-RU" sz="2400" dirty="0" smtClean="0">
+                <a:latin typeface="Times New Roman" panose="02020603050405020304" pitchFamily="18" charset="0"/>
+                <a:cs typeface="Times New Roman" panose="02020603050405020304" pitchFamily="18" charset="0"/>
+              </a:rPr>
+              <a:t>.</a:t>
+            </a:r>
+          </a:p>
+          <a:p>
+            <a:pPr marL="114300" indent="0">
+              <a:lnSpc>
+                <a:spcPct val="150000"/>
+              </a:lnSpc>
+              <a:buNone/>
+            </a:pPr>
+            <a:endParaRPr lang="ru-RU" sz="2400" dirty="0">
+              <a:latin typeface="Times New Roman" panose="02020603050405020304" pitchFamily="18" charset="0"/>
+              <a:cs typeface="Times New Roman" panose="02020603050405020304" pitchFamily="18" charset="0"/>
+            </a:endParaRPr>
+          </a:p>
+          <a:p>
+            <a:pPr>
+              <a:lnSpc>
+                <a:spcPct val="150000"/>
+              </a:lnSpc>
+            </a:pPr>
+            <a:r>
+              <a:rPr lang="ru-RU" sz="2400" b="1" dirty="0">
+                <a:latin typeface="Times New Roman" panose="02020603050405020304" pitchFamily="18" charset="0"/>
+                <a:cs typeface="Times New Roman" panose="02020603050405020304" pitchFamily="18" charset="0"/>
+              </a:rPr>
+              <a:t>УЦ </a:t>
+            </a:r>
+            <a:r>
+              <a:rPr lang="en-US" sz="2400" b="1" dirty="0" err="1">
+                <a:latin typeface="Times New Roman" panose="02020603050405020304" pitchFamily="18" charset="0"/>
+                <a:cs typeface="Times New Roman" panose="02020603050405020304" pitchFamily="18" charset="0"/>
+              </a:rPr>
+              <a:t>Infotecs</a:t>
+            </a:r>
+            <a:endParaRPr lang="ru-RU" sz="2400" dirty="0">
+              <a:latin typeface="Times New Roman" panose="02020603050405020304" pitchFamily="18" charset="0"/>
+              <a:cs typeface="Times New Roman" panose="02020603050405020304" pitchFamily="18" charset="0"/>
+            </a:endParaRPr>
+          </a:p>
+          <a:p>
+            <a:pPr>
+              <a:lnSpc>
+                <a:spcPct val="150000"/>
+              </a:lnSpc>
+            </a:pPr>
+            <a:r>
+              <a:rPr lang="ru-RU" sz="2400" dirty="0">
+                <a:latin typeface="Times New Roman" panose="02020603050405020304" pitchFamily="18" charset="0"/>
+                <a:cs typeface="Times New Roman" panose="02020603050405020304" pitchFamily="18" charset="0"/>
+              </a:rPr>
+              <a:t>Ниже предоставлена информация непосредственно с сайта партнера нашего университета. </a:t>
             </a:r>
           </a:p>
         </p:txBody>
@@ -19779,6 +20611,578 @@
             <a:fld id="{00000000-1234-1234-1234-123412341234}" type="slidenum">
               <a:rPr lang="ru-RU"/>
               <a:t>21</a:t>
+            </a:fld>
+            <a:endParaRPr/>
+          </a:p>
+        </p:txBody>
+      </p:sp>
+    </p:spTree>
+    <p:extLst>
+      <p:ext uri="{BB962C8B-B14F-4D97-AF65-F5344CB8AC3E}">
+        <p14:creationId xmlns:p14="http://schemas.microsoft.com/office/powerpoint/2010/main" val="662349414"/>
+      </p:ext>
+    </p:extLst>
+  </p:cSld>
+  <p:clrMapOvr>
+    <a:masterClrMapping/>
+  </p:clrMapOvr>
+</p:sld>
+</file>
+
+<file path=ppt/slides/slide22.xml><?xml version="1.0" encoding="utf-8"?>
+<p:sld xmlns:a="http://schemas.openxmlformats.org/drawingml/2006/main" xmlns:r="http://schemas.openxmlformats.org/officeDocument/2006/relationships" xmlns:p="http://schemas.openxmlformats.org/presentationml/2006/main">
+  <p:cSld>
+    <p:spTree>
+      <p:nvGrpSpPr>
+        <p:cNvPr id="1" name="Shape 310"/>
+        <p:cNvGrpSpPr/>
+        <p:nvPr/>
+      </p:nvGrpSpPr>
+      <p:grpSpPr>
+        <a:xfrm>
+          <a:off x="0" y="0"/>
+          <a:ext cx="0" cy="0"/>
+          <a:chOff x="0" y="0"/>
+          <a:chExt cx="0" cy="0"/>
+        </a:xfrm>
+      </p:grpSpPr>
+      <p:sp>
+        <p:nvSpPr>
+          <p:cNvPr id="311" name="Google Shape;311;p33"/>
+          <p:cNvSpPr txBox="1">
+            <a:spLocks noGrp="1"/>
+          </p:cNvSpPr>
+          <p:nvPr>
+            <p:ph type="title"/>
+          </p:nvPr>
+        </p:nvSpPr>
+        <p:spPr>
+          <a:xfrm>
+            <a:off x="971600" y="980728"/>
+            <a:ext cx="7725544" cy="504056"/>
+          </a:xfrm>
+          <a:prstGeom prst="rect">
+            <a:avLst/>
+          </a:prstGeom>
+          <a:noFill/>
+          <a:ln>
+            <a:noFill/>
+          </a:ln>
+        </p:spPr>
+        <p:txBody>
+          <a:bodyPr spcFirstLastPara="1" wrap="square" lIns="91425" tIns="45700" rIns="91425" bIns="45700" anchor="ctr" anchorCtr="0">
+            <a:noAutofit/>
+          </a:bodyPr>
+          <a:lstStyle/>
+          <a:p>
+            <a:pPr lvl="0" algn="l">
+              <a:buClr>
+                <a:srgbClr val="E63246"/>
+              </a:buClr>
+            </a:pPr>
+            <a:r>
+              <a:rPr lang="ru-RU" sz="1800" b="1" dirty="0">
+                <a:solidFill>
+                  <a:srgbClr val="FF0000"/>
+                </a:solidFill>
+              </a:rPr>
+              <a:t>Выбор УЦ</a:t>
+            </a:r>
+            <a:endParaRPr sz="1800" b="1" dirty="0">
+              <a:solidFill>
+                <a:srgbClr val="FF0000"/>
+              </a:solidFill>
+            </a:endParaRPr>
+          </a:p>
+        </p:txBody>
+      </p:sp>
+      <p:cxnSp>
+        <p:nvCxnSpPr>
+          <p:cNvPr id="312" name="Google Shape;312;p33"/>
+          <p:cNvCxnSpPr/>
+          <p:nvPr/>
+        </p:nvCxnSpPr>
+        <p:spPr>
+          <a:xfrm>
+            <a:off x="683568" y="980728"/>
+            <a:ext cx="6995063" cy="0"/>
+          </a:xfrm>
+          <a:prstGeom prst="straightConnector1">
+            <a:avLst/>
+          </a:prstGeom>
+          <a:noFill/>
+          <a:ln w="9525" cap="flat" cmpd="sng">
+            <a:solidFill>
+              <a:schemeClr val="dk1"/>
+            </a:solidFill>
+            <a:prstDash val="solid"/>
+            <a:round/>
+            <a:headEnd type="none" w="sm" len="sm"/>
+            <a:tailEnd type="none" w="sm" len="sm"/>
+          </a:ln>
+        </p:spPr>
+      </p:cxnSp>
+      <p:cxnSp>
+        <p:nvCxnSpPr>
+          <p:cNvPr id="313" name="Google Shape;313;p33"/>
+          <p:cNvCxnSpPr/>
+          <p:nvPr/>
+        </p:nvCxnSpPr>
+        <p:spPr>
+          <a:xfrm rot="10800000">
+            <a:off x="899592" y="476672"/>
+            <a:ext cx="0" cy="720080"/>
+          </a:xfrm>
+          <a:prstGeom prst="straightConnector1">
+            <a:avLst/>
+          </a:prstGeom>
+          <a:noFill/>
+          <a:ln w="9525" cap="flat" cmpd="sng">
+            <a:solidFill>
+              <a:schemeClr val="dk1"/>
+            </a:solidFill>
+            <a:prstDash val="solid"/>
+            <a:round/>
+            <a:headEnd type="none" w="sm" len="sm"/>
+            <a:tailEnd type="none" w="sm" len="sm"/>
+          </a:ln>
+        </p:spPr>
+      </p:cxnSp>
+      <p:sp>
+        <p:nvSpPr>
+          <p:cNvPr id="314" name="Google Shape;314;p33"/>
+          <p:cNvSpPr txBox="1">
+            <a:spLocks noGrp="1"/>
+          </p:cNvSpPr>
+          <p:nvPr>
+            <p:ph type="body" idx="1"/>
+          </p:nvPr>
+        </p:nvSpPr>
+        <p:spPr>
+          <a:xfrm>
+            <a:off x="0" y="1343179"/>
+            <a:ext cx="8400582" cy="4610485"/>
+          </a:xfrm>
+          <a:prstGeom prst="rect">
+            <a:avLst/>
+          </a:prstGeom>
+          <a:noFill/>
+          <a:ln>
+            <a:noFill/>
+          </a:ln>
+        </p:spPr>
+        <p:txBody>
+          <a:bodyPr spcFirstLastPara="1" wrap="square" lIns="91425" tIns="45700" rIns="91425" bIns="45700" anchor="t" anchorCtr="0">
+            <a:noAutofit/>
+          </a:bodyPr>
+          <a:lstStyle/>
+          <a:p>
+            <a:pPr marL="114300" indent="0">
+              <a:buNone/>
+            </a:pPr>
+            <a:r>
+              <a:rPr lang="ru-RU" sz="2800" dirty="0"/>
+              <a:t> </a:t>
+            </a:r>
+          </a:p>
+        </p:txBody>
+      </p:sp>
+      <p:sp>
+        <p:nvSpPr>
+          <p:cNvPr id="315" name="Google Shape;315;p33"/>
+          <p:cNvSpPr txBox="1"/>
+          <p:nvPr/>
+        </p:nvSpPr>
+        <p:spPr>
+          <a:xfrm>
+            <a:off x="971600" y="476672"/>
+            <a:ext cx="7725544" cy="504056"/>
+          </a:xfrm>
+          <a:prstGeom prst="rect">
+            <a:avLst/>
+          </a:prstGeom>
+          <a:noFill/>
+          <a:ln>
+            <a:noFill/>
+          </a:ln>
+        </p:spPr>
+        <p:txBody>
+          <a:bodyPr spcFirstLastPara="1" wrap="square" lIns="91425" tIns="45700" rIns="91425" bIns="45700" anchor="ctr" anchorCtr="0">
+            <a:noAutofit/>
+          </a:bodyPr>
+          <a:lstStyle/>
+          <a:p>
+            <a:pPr marL="0" marR="0" lvl="0" indent="0" algn="l" rtl="0">
+              <a:spcBef>
+                <a:spcPts val="0"/>
+              </a:spcBef>
+              <a:spcAft>
+                <a:spcPts val="0"/>
+              </a:spcAft>
+              <a:buClr>
+                <a:srgbClr val="000000"/>
+              </a:buClr>
+              <a:buSzPts val="2000"/>
+              <a:buFont typeface="Arial"/>
+              <a:buNone/>
+            </a:pPr>
+            <a:r>
+              <a:rPr lang="ru-RU" sz="2400" b="1"/>
+              <a:t>Заключение</a:t>
+            </a:r>
+            <a:endParaRPr sz="2400" b="1">
+              <a:solidFill>
+                <a:srgbClr val="000000"/>
+              </a:solidFill>
+              <a:latin typeface="Arial"/>
+              <a:ea typeface="Arial"/>
+              <a:cs typeface="Arial"/>
+              <a:sym typeface="Arial"/>
+            </a:endParaRPr>
+          </a:p>
+        </p:txBody>
+      </p:sp>
+      <p:sp>
+        <p:nvSpPr>
+          <p:cNvPr id="316" name="Google Shape;316;p33"/>
+          <p:cNvSpPr txBox="1">
+            <a:spLocks noGrp="1"/>
+          </p:cNvSpPr>
+          <p:nvPr>
+            <p:ph type="sldNum" idx="12"/>
+          </p:nvPr>
+        </p:nvSpPr>
+        <p:spPr>
+          <a:xfrm>
+            <a:off x="6553200" y="6356350"/>
+            <a:ext cx="2133600" cy="365125"/>
+          </a:xfrm>
+          <a:prstGeom prst="rect">
+            <a:avLst/>
+          </a:prstGeom>
+          <a:noFill/>
+          <a:ln>
+            <a:noFill/>
+          </a:ln>
+        </p:spPr>
+        <p:txBody>
+          <a:bodyPr spcFirstLastPara="1" wrap="square" lIns="91425" tIns="45700" rIns="91425" bIns="45700" anchor="ctr" anchorCtr="0">
+            <a:noAutofit/>
+          </a:bodyPr>
+          <a:lstStyle/>
+          <a:p>
+            <a:pPr marL="0" lvl="0" indent="0" algn="r" rtl="0">
+              <a:spcBef>
+                <a:spcPts val="0"/>
+              </a:spcBef>
+              <a:spcAft>
+                <a:spcPts val="0"/>
+              </a:spcAft>
+              <a:buNone/>
+            </a:pPr>
+            <a:fld id="{00000000-1234-1234-1234-123412341234}" type="slidenum">
+              <a:rPr lang="ru-RU"/>
+              <a:t>22</a:t>
+            </a:fld>
+            <a:endParaRPr/>
+          </a:p>
+        </p:txBody>
+      </p:sp>
+      <p:pic>
+        <p:nvPicPr>
+          <p:cNvPr id="11" name="Рисунок 10"/>
+          <p:cNvPicPr/>
+          <p:nvPr/>
+        </p:nvPicPr>
+        <p:blipFill>
+          <a:blip r:embed="rId3">
+            <a:extLst>
+              <a:ext uri="{28A0092B-C50C-407E-A947-70E740481C1C}">
+                <a14:useLocalDpi xmlns:a14="http://schemas.microsoft.com/office/drawing/2010/main" val="0"/>
+              </a:ext>
+            </a:extLst>
+          </a:blip>
+          <a:stretch>
+            <a:fillRect/>
+          </a:stretch>
+        </p:blipFill>
+        <p:spPr>
+          <a:xfrm>
+            <a:off x="370703" y="1359578"/>
+            <a:ext cx="8464378" cy="5065936"/>
+          </a:xfrm>
+          <a:prstGeom prst="rect">
+            <a:avLst/>
+          </a:prstGeom>
+        </p:spPr>
+      </p:pic>
+    </p:spTree>
+    <p:extLst>
+      <p:ext uri="{BB962C8B-B14F-4D97-AF65-F5344CB8AC3E}">
+        <p14:creationId xmlns:p14="http://schemas.microsoft.com/office/powerpoint/2010/main" val="505682195"/>
+      </p:ext>
+    </p:extLst>
+  </p:cSld>
+  <p:clrMapOvr>
+    <a:masterClrMapping/>
+  </p:clrMapOvr>
+</p:sld>
+</file>
+
+<file path=ppt/slides/slide23.xml><?xml version="1.0" encoding="utf-8"?>
+<p:sld xmlns:a="http://schemas.openxmlformats.org/drawingml/2006/main" xmlns:r="http://schemas.openxmlformats.org/officeDocument/2006/relationships" xmlns:p="http://schemas.openxmlformats.org/presentationml/2006/main">
+  <p:cSld>
+    <p:spTree>
+      <p:nvGrpSpPr>
+        <p:cNvPr id="1" name="Shape 310"/>
+        <p:cNvGrpSpPr/>
+        <p:nvPr/>
+      </p:nvGrpSpPr>
+      <p:grpSpPr>
+        <a:xfrm>
+          <a:off x="0" y="0"/>
+          <a:ext cx="0" cy="0"/>
+          <a:chOff x="0" y="0"/>
+          <a:chExt cx="0" cy="0"/>
+        </a:xfrm>
+      </p:grpSpPr>
+      <p:sp>
+        <p:nvSpPr>
+          <p:cNvPr id="311" name="Google Shape;311;p33"/>
+          <p:cNvSpPr txBox="1">
+            <a:spLocks noGrp="1"/>
+          </p:cNvSpPr>
+          <p:nvPr>
+            <p:ph type="title"/>
+          </p:nvPr>
+        </p:nvSpPr>
+        <p:spPr>
+          <a:xfrm>
+            <a:off x="971600" y="980728"/>
+            <a:ext cx="7725544" cy="504056"/>
+          </a:xfrm>
+          <a:prstGeom prst="rect">
+            <a:avLst/>
+          </a:prstGeom>
+          <a:noFill/>
+          <a:ln>
+            <a:noFill/>
+          </a:ln>
+        </p:spPr>
+        <p:txBody>
+          <a:bodyPr spcFirstLastPara="1" wrap="square" lIns="91425" tIns="45700" rIns="91425" bIns="45700" anchor="ctr" anchorCtr="0">
+            <a:noAutofit/>
+          </a:bodyPr>
+          <a:lstStyle/>
+          <a:p>
+            <a:pPr lvl="0" algn="l">
+              <a:buClr>
+                <a:srgbClr val="E63246"/>
+              </a:buClr>
+            </a:pPr>
+            <a:r>
+              <a:rPr lang="ru-RU" sz="1800" b="1" dirty="0">
+                <a:solidFill>
+                  <a:srgbClr val="FF0000"/>
+                </a:solidFill>
+              </a:rPr>
+              <a:t>Выбор УЦ</a:t>
+            </a:r>
+            <a:endParaRPr sz="1800" b="1" dirty="0">
+              <a:solidFill>
+                <a:srgbClr val="FF0000"/>
+              </a:solidFill>
+            </a:endParaRPr>
+          </a:p>
+        </p:txBody>
+      </p:sp>
+      <p:cxnSp>
+        <p:nvCxnSpPr>
+          <p:cNvPr id="312" name="Google Shape;312;p33"/>
+          <p:cNvCxnSpPr/>
+          <p:nvPr/>
+        </p:nvCxnSpPr>
+        <p:spPr>
+          <a:xfrm>
+            <a:off x="683568" y="980728"/>
+            <a:ext cx="6995063" cy="0"/>
+          </a:xfrm>
+          <a:prstGeom prst="straightConnector1">
+            <a:avLst/>
+          </a:prstGeom>
+          <a:noFill/>
+          <a:ln w="9525" cap="flat" cmpd="sng">
+            <a:solidFill>
+              <a:schemeClr val="dk1"/>
+            </a:solidFill>
+            <a:prstDash val="solid"/>
+            <a:round/>
+            <a:headEnd type="none" w="sm" len="sm"/>
+            <a:tailEnd type="none" w="sm" len="sm"/>
+          </a:ln>
+        </p:spPr>
+      </p:cxnSp>
+      <p:cxnSp>
+        <p:nvCxnSpPr>
+          <p:cNvPr id="313" name="Google Shape;313;p33"/>
+          <p:cNvCxnSpPr/>
+          <p:nvPr/>
+        </p:nvCxnSpPr>
+        <p:spPr>
+          <a:xfrm rot="10800000">
+            <a:off x="899592" y="476672"/>
+            <a:ext cx="0" cy="720080"/>
+          </a:xfrm>
+          <a:prstGeom prst="straightConnector1">
+            <a:avLst/>
+          </a:prstGeom>
+          <a:noFill/>
+          <a:ln w="9525" cap="flat" cmpd="sng">
+            <a:solidFill>
+              <a:schemeClr val="dk1"/>
+            </a:solidFill>
+            <a:prstDash val="solid"/>
+            <a:round/>
+            <a:headEnd type="none" w="sm" len="sm"/>
+            <a:tailEnd type="none" w="sm" len="sm"/>
+          </a:ln>
+        </p:spPr>
+      </p:cxnSp>
+      <p:sp>
+        <p:nvSpPr>
+          <p:cNvPr id="314" name="Google Shape;314;p33"/>
+          <p:cNvSpPr txBox="1">
+            <a:spLocks noGrp="1"/>
+          </p:cNvSpPr>
+          <p:nvPr>
+            <p:ph type="body" idx="1"/>
+          </p:nvPr>
+        </p:nvSpPr>
+        <p:spPr>
+          <a:xfrm>
+            <a:off x="0" y="1343179"/>
+            <a:ext cx="8400582" cy="4610485"/>
+          </a:xfrm>
+          <a:prstGeom prst="rect">
+            <a:avLst/>
+          </a:prstGeom>
+          <a:noFill/>
+          <a:ln>
+            <a:noFill/>
+          </a:ln>
+        </p:spPr>
+        <p:txBody>
+          <a:bodyPr spcFirstLastPara="1" wrap="square" lIns="91425" tIns="45700" rIns="91425" bIns="45700" anchor="t" anchorCtr="0">
+            <a:noAutofit/>
+          </a:bodyPr>
+          <a:lstStyle/>
+          <a:p>
+            <a:pPr marL="114300" indent="0">
+              <a:buNone/>
+            </a:pPr>
+            <a:r>
+              <a:rPr lang="ru-RU" sz="2800" dirty="0"/>
+              <a:t> </a:t>
+            </a:r>
+          </a:p>
+        </p:txBody>
+      </p:sp>
+      <p:sp>
+        <p:nvSpPr>
+          <p:cNvPr id="315" name="Google Shape;315;p33"/>
+          <p:cNvSpPr txBox="1"/>
+          <p:nvPr/>
+        </p:nvSpPr>
+        <p:spPr>
+          <a:xfrm>
+            <a:off x="971600" y="476672"/>
+            <a:ext cx="7725544" cy="504056"/>
+          </a:xfrm>
+          <a:prstGeom prst="rect">
+            <a:avLst/>
+          </a:prstGeom>
+          <a:noFill/>
+          <a:ln>
+            <a:noFill/>
+          </a:ln>
+        </p:spPr>
+        <p:txBody>
+          <a:bodyPr spcFirstLastPara="1" wrap="square" lIns="91425" tIns="45700" rIns="91425" bIns="45700" anchor="ctr" anchorCtr="0">
+            <a:noAutofit/>
+          </a:bodyPr>
+          <a:lstStyle/>
+          <a:p>
+            <a:pPr marL="0" marR="0" lvl="0" indent="0" algn="l" rtl="0">
+              <a:spcBef>
+                <a:spcPts val="0"/>
+              </a:spcBef>
+              <a:spcAft>
+                <a:spcPts val="0"/>
+              </a:spcAft>
+              <a:buClr>
+                <a:srgbClr val="000000"/>
+              </a:buClr>
+              <a:buSzPts val="2000"/>
+              <a:buFont typeface="Arial"/>
+              <a:buNone/>
+            </a:pPr>
+            <a:r>
+              <a:rPr lang="ru-RU" sz="2400" b="1"/>
+              <a:t>Заключение</a:t>
+            </a:r>
+            <a:endParaRPr sz="2400" b="1">
+              <a:solidFill>
+                <a:srgbClr val="000000"/>
+              </a:solidFill>
+              <a:latin typeface="Arial"/>
+              <a:ea typeface="Arial"/>
+              <a:cs typeface="Arial"/>
+              <a:sym typeface="Arial"/>
+            </a:endParaRPr>
+          </a:p>
+        </p:txBody>
+      </p:sp>
+      <p:sp>
+        <p:nvSpPr>
+          <p:cNvPr id="316" name="Google Shape;316;p33"/>
+          <p:cNvSpPr txBox="1">
+            <a:spLocks noGrp="1"/>
+          </p:cNvSpPr>
+          <p:nvPr>
+            <p:ph type="sldNum" idx="12"/>
+          </p:nvPr>
+        </p:nvSpPr>
+        <p:spPr>
+          <a:xfrm>
+            <a:off x="6553200" y="6356350"/>
+            <a:ext cx="2133600" cy="365125"/>
+          </a:xfrm>
+          <a:prstGeom prst="rect">
+            <a:avLst/>
+          </a:prstGeom>
+          <a:noFill/>
+          <a:ln>
+            <a:noFill/>
+          </a:ln>
+        </p:spPr>
+        <p:txBody>
+          <a:bodyPr spcFirstLastPara="1" wrap="square" lIns="91425" tIns="45700" rIns="91425" bIns="45700" anchor="ctr" anchorCtr="0">
+            <a:noAutofit/>
+          </a:bodyPr>
+          <a:lstStyle/>
+          <a:p>
+            <a:pPr marL="0" lvl="0" indent="0" algn="r" rtl="0">
+              <a:spcBef>
+                <a:spcPts val="0"/>
+              </a:spcBef>
+              <a:spcAft>
+                <a:spcPts val="0"/>
+              </a:spcAft>
+              <a:buNone/>
+            </a:pPr>
+            <a:fld id="{00000000-1234-1234-1234-123412341234}" type="slidenum">
+              <a:rPr lang="ru-RU"/>
+              <a:t>23</a:t>
             </a:fld>
             <a:endParaRPr/>
           </a:p>
@@ -19825,7 +21229,7 @@
 </p:sld>
 </file>
 
-<file path=ppt/slides/slide22.xml><?xml version="1.0" encoding="utf-8"?>
+<file path=ppt/slides/slide24.xml><?xml version="1.0" encoding="utf-8"?>
 <p:sld xmlns:a="http://schemas.openxmlformats.org/drawingml/2006/main" xmlns:r="http://schemas.openxmlformats.org/officeDocument/2006/relationships" xmlns:p="http://schemas.openxmlformats.org/presentationml/2006/main">
   <p:cSld>
     <p:bg>
